--- a/Data607-Project3-Presentation.pptx
+++ b/Data607-Project3-Presentation.pptx
@@ -4,12 +4,16 @@
   <p:sldMasterIdLst>
     <p:sldMasterId id="2147483660" r:id="rId1"/>
   </p:sldMasterIdLst>
+  <p:notesMasterIdLst>
+    <p:notesMasterId r:id="rId8"/>
+  </p:notesMasterIdLst>
   <p:sldIdLst>
     <p:sldId id="256" r:id="rId2"/>
     <p:sldId id="257" r:id="rId3"/>
     <p:sldId id="259" r:id="rId4"/>
     <p:sldId id="261" r:id="rId5"/>
     <p:sldId id="260" r:id="rId6"/>
+    <p:sldId id="262" r:id="rId7"/>
   </p:sldIdLst>
   <p:sldSz cx="12192000" cy="6858000"/>
   <p:notesSz cx="6858000" cy="9144000"/>
@@ -120,7 +124,7 @@
 <p1510:revInfo xmlns:a="http://schemas.openxmlformats.org/drawingml/2006/main" xmlns:r="http://schemas.openxmlformats.org/officeDocument/2006/relationships" xmlns:p1510="http://schemas.microsoft.com/office/powerpoint/2015/10/main">
   <p1510:revLst>
     <p1510:client id="{91260C80-A828-4390-9C22-42D96CCC421B}" v="3" dt="2020-03-14T15:04:11.288"/>
-    <p1510:client id="{B15E19FD-15E1-414B-8A3F-F5E0AA5CF060}" v="8" dt="2020-03-14T15:29:08.123"/>
+    <p1510:client id="{B15E19FD-15E1-414B-8A3F-F5E0AA5CF060}" v="18" dt="2020-03-14T16:30:18.635"/>
   </p1510:revLst>
 </p1510:revInfo>
 </file>
@@ -130,12 +134,12 @@
   <pc:docChgLst>
     <pc:chgData name=" " userId="9de9514f295d26bc" providerId="LiveId" clId="{B15E19FD-15E1-414B-8A3F-F5E0AA5CF060}"/>
     <pc:docChg chg="custSel addSld delSld modSld">
-      <pc:chgData name=" " userId="9de9514f295d26bc" providerId="LiveId" clId="{B15E19FD-15E1-414B-8A3F-F5E0AA5CF060}" dt="2020-03-14T15:29:15.773" v="156" actId="20577"/>
+      <pc:chgData name=" " userId="9de9514f295d26bc" providerId="LiveId" clId="{B15E19FD-15E1-414B-8A3F-F5E0AA5CF060}" dt="2020-03-14T16:30:29.231" v="175" actId="14100"/>
       <pc:docMkLst>
         <pc:docMk/>
       </pc:docMkLst>
-      <pc:sldChg chg="modSp">
-        <pc:chgData name=" " userId="9de9514f295d26bc" providerId="LiveId" clId="{B15E19FD-15E1-414B-8A3F-F5E0AA5CF060}" dt="2020-03-14T15:28:14.725" v="94" actId="27636"/>
+      <pc:sldChg chg="addSp delSp modSp">
+        <pc:chgData name=" " userId="9de9514f295d26bc" providerId="LiveId" clId="{B15E19FD-15E1-414B-8A3F-F5E0AA5CF060}" dt="2020-03-14T16:30:14.031" v="169"/>
         <pc:sldMkLst>
           <pc:docMk/>
           <pc:sldMk cId="1809214026" sldId="256"/>
@@ -148,6 +152,22 @@
             <ac:spMk id="3" creationId="{484FD147-C1D3-4029-B68A-ED7B3132BF14}"/>
           </ac:spMkLst>
         </pc:spChg>
+        <pc:spChg chg="add del">
+          <ac:chgData name=" " userId="9de9514f295d26bc" providerId="LiveId" clId="{B15E19FD-15E1-414B-8A3F-F5E0AA5CF060}" dt="2020-03-14T16:29:21.193" v="162" actId="478"/>
+          <ac:spMkLst>
+            <pc:docMk/>
+            <pc:sldMk cId="1809214026" sldId="256"/>
+            <ac:spMk id="4" creationId="{2CE6D0AA-77BB-4941-A8BE-C91F84A2630B}"/>
+          </ac:spMkLst>
+        </pc:spChg>
+        <pc:picChg chg="add del mod">
+          <ac:chgData name=" " userId="9de9514f295d26bc" providerId="LiveId" clId="{B15E19FD-15E1-414B-8A3F-F5E0AA5CF060}" dt="2020-03-14T16:30:14.031" v="169"/>
+          <ac:picMkLst>
+            <pc:docMk/>
+            <pc:sldMk cId="1809214026" sldId="256"/>
+            <ac:picMk id="6" creationId="{D88776A1-F725-4CDC-996D-4AFA688149BD}"/>
+          </ac:picMkLst>
+        </pc:picChg>
       </pc:sldChg>
       <pc:sldChg chg="addSp delSp modSp">
         <pc:chgData name=" " userId="9de9514f295d26bc" providerId="LiveId" clId="{B15E19FD-15E1-414B-8A3F-F5E0AA5CF060}" dt="2020-03-14T15:29:03.849" v="146" actId="12789"/>
@@ -223,6 +243,37 @@
           <pc:sldMk cId="3922338522" sldId="261"/>
         </pc:sldMkLst>
       </pc:sldChg>
+      <pc:sldChg chg="addSp delSp modSp add">
+        <pc:chgData name=" " userId="9de9514f295d26bc" providerId="LiveId" clId="{B15E19FD-15E1-414B-8A3F-F5E0AA5CF060}" dt="2020-03-14T16:30:29.231" v="175" actId="14100"/>
+        <pc:sldMkLst>
+          <pc:docMk/>
+          <pc:sldMk cId="406152668" sldId="262"/>
+        </pc:sldMkLst>
+        <pc:spChg chg="del">
+          <ac:chgData name=" " userId="9de9514f295d26bc" providerId="LiveId" clId="{B15E19FD-15E1-414B-8A3F-F5E0AA5CF060}" dt="2020-03-14T16:30:18.215" v="171" actId="478"/>
+          <ac:spMkLst>
+            <pc:docMk/>
+            <pc:sldMk cId="406152668" sldId="262"/>
+            <ac:spMk id="2" creationId="{CA63D146-D948-4A2C-BB3C-9F295FA00962}"/>
+          </ac:spMkLst>
+        </pc:spChg>
+        <pc:spChg chg="del">
+          <ac:chgData name=" " userId="9de9514f295d26bc" providerId="LiveId" clId="{B15E19FD-15E1-414B-8A3F-F5E0AA5CF060}" dt="2020-03-14T16:30:16.456" v="170" actId="478"/>
+          <ac:spMkLst>
+            <pc:docMk/>
+            <pc:sldMk cId="406152668" sldId="262"/>
+            <ac:spMk id="3" creationId="{5F7421F0-3A27-4B59-880F-9A3E13856C77}"/>
+          </ac:spMkLst>
+        </pc:spChg>
+        <pc:picChg chg="add mod">
+          <ac:chgData name=" " userId="9de9514f295d26bc" providerId="LiveId" clId="{B15E19FD-15E1-414B-8A3F-F5E0AA5CF060}" dt="2020-03-14T16:30:29.231" v="175" actId="14100"/>
+          <ac:picMkLst>
+            <pc:docMk/>
+            <pc:sldMk cId="406152668" sldId="262"/>
+            <ac:picMk id="4" creationId="{50DC1870-4B8C-4EA1-B724-C7E4DC0949C7}"/>
+          </ac:picMkLst>
+        </pc:picChg>
+      </pc:sldChg>
     </pc:docChg>
   </pc:docChgLst>
   <pc:docChgLst>
@@ -265,6 +316,439 @@
     </pc:docChg>
   </pc:docChgLst>
 </pc:chgInfo>
+</file>
+
+<file path=ppt/notesMasters/notesMaster1.xml><?xml version="1.0" encoding="utf-8"?>
+<p:notesMaster xmlns:a="http://schemas.openxmlformats.org/drawingml/2006/main" xmlns:r="http://schemas.openxmlformats.org/officeDocument/2006/relationships" xmlns:p="http://schemas.openxmlformats.org/presentationml/2006/main">
+  <p:cSld>
+    <p:bg>
+      <p:bgRef idx="1001">
+        <a:schemeClr val="bg1"/>
+      </p:bgRef>
+    </p:bg>
+    <p:spTree>
+      <p:nvGrpSpPr>
+        <p:cNvPr id="1" name=""/>
+        <p:cNvGrpSpPr/>
+        <p:nvPr/>
+      </p:nvGrpSpPr>
+      <p:grpSpPr>
+        <a:xfrm>
+          <a:off x="0" y="0"/>
+          <a:ext cx="0" cy="0"/>
+          <a:chOff x="0" y="0"/>
+          <a:chExt cx="0" cy="0"/>
+        </a:xfrm>
+      </p:grpSpPr>
+      <p:sp>
+        <p:nvSpPr>
+          <p:cNvPr id="2" name="Header Placeholder 1"/>
+          <p:cNvSpPr>
+            <a:spLocks noGrp="1"/>
+          </p:cNvSpPr>
+          <p:nvPr>
+            <p:ph type="hdr" sz="quarter"/>
+          </p:nvPr>
+        </p:nvSpPr>
+        <p:spPr>
+          <a:xfrm>
+            <a:off x="0" y="0"/>
+            <a:ext cx="2971800" cy="458788"/>
+          </a:xfrm>
+          <a:prstGeom prst="rect">
+            <a:avLst/>
+          </a:prstGeom>
+        </p:spPr>
+        <p:txBody>
+          <a:bodyPr vert="horz" lIns="91440" tIns="45720" rIns="91440" bIns="45720" rtlCol="0"/>
+          <a:lstStyle>
+            <a:lvl1pPr algn="l">
+              <a:defRPr sz="1200"/>
+            </a:lvl1pPr>
+          </a:lstStyle>
+          <a:p>
+            <a:endParaRPr lang="en-US"/>
+          </a:p>
+        </p:txBody>
+      </p:sp>
+      <p:sp>
+        <p:nvSpPr>
+          <p:cNvPr id="3" name="Date Placeholder 2"/>
+          <p:cNvSpPr>
+            <a:spLocks noGrp="1"/>
+          </p:cNvSpPr>
+          <p:nvPr>
+            <p:ph type="dt" idx="1"/>
+          </p:nvPr>
+        </p:nvSpPr>
+        <p:spPr>
+          <a:xfrm>
+            <a:off x="3884613" y="0"/>
+            <a:ext cx="2971800" cy="458788"/>
+          </a:xfrm>
+          <a:prstGeom prst="rect">
+            <a:avLst/>
+          </a:prstGeom>
+        </p:spPr>
+        <p:txBody>
+          <a:bodyPr vert="horz" lIns="91440" tIns="45720" rIns="91440" bIns="45720" rtlCol="0"/>
+          <a:lstStyle>
+            <a:lvl1pPr algn="r">
+              <a:defRPr sz="1200"/>
+            </a:lvl1pPr>
+          </a:lstStyle>
+          <a:p>
+            <a:fld id="{A6D5E8C7-548A-45F4-A562-474558CA88C9}" type="datetimeFigureOut">
+              <a:rPr lang="en-US" smtClean="0"/>
+              <a:t>3/14/2020</a:t>
+            </a:fld>
+            <a:endParaRPr lang="en-US"/>
+          </a:p>
+        </p:txBody>
+      </p:sp>
+      <p:sp>
+        <p:nvSpPr>
+          <p:cNvPr id="4" name="Slide Image Placeholder 3"/>
+          <p:cNvSpPr>
+            <a:spLocks noGrp="1" noRot="1" noChangeAspect="1"/>
+          </p:cNvSpPr>
+          <p:nvPr>
+            <p:ph type="sldImg" idx="2"/>
+          </p:nvPr>
+        </p:nvSpPr>
+        <p:spPr>
+          <a:xfrm>
+            <a:off x="685800" y="1143000"/>
+            <a:ext cx="5486400" cy="3086100"/>
+          </a:xfrm>
+          <a:prstGeom prst="rect">
+            <a:avLst/>
+          </a:prstGeom>
+          <a:noFill/>
+          <a:ln w="12700">
+            <a:solidFill>
+              <a:prstClr val="black"/>
+            </a:solidFill>
+          </a:ln>
+        </p:spPr>
+        <p:txBody>
+          <a:bodyPr vert="horz" lIns="91440" tIns="45720" rIns="91440" bIns="45720" rtlCol="0" anchor="ctr"/>
+          <a:lstStyle/>
+          <a:p>
+            <a:endParaRPr lang="en-US"/>
+          </a:p>
+        </p:txBody>
+      </p:sp>
+      <p:sp>
+        <p:nvSpPr>
+          <p:cNvPr id="5" name="Notes Placeholder 4"/>
+          <p:cNvSpPr>
+            <a:spLocks noGrp="1"/>
+          </p:cNvSpPr>
+          <p:nvPr>
+            <p:ph type="body" sz="quarter" idx="3"/>
+          </p:nvPr>
+        </p:nvSpPr>
+        <p:spPr>
+          <a:xfrm>
+            <a:off x="685800" y="4400550"/>
+            <a:ext cx="5486400" cy="3600450"/>
+          </a:xfrm>
+          <a:prstGeom prst="rect">
+            <a:avLst/>
+          </a:prstGeom>
+        </p:spPr>
+        <p:txBody>
+          <a:bodyPr vert="horz" lIns="91440" tIns="45720" rIns="91440" bIns="45720" rtlCol="0"/>
+          <a:lstStyle/>
+          <a:p>
+            <a:pPr lvl="0"/>
+            <a:r>
+              <a:rPr lang="en-US"/>
+              <a:t>Click to edit Master text styles</a:t>
+            </a:r>
+          </a:p>
+          <a:p>
+            <a:pPr lvl="1"/>
+            <a:r>
+              <a:rPr lang="en-US"/>
+              <a:t>Second level</a:t>
+            </a:r>
+          </a:p>
+          <a:p>
+            <a:pPr lvl="2"/>
+            <a:r>
+              <a:rPr lang="en-US"/>
+              <a:t>Third level</a:t>
+            </a:r>
+          </a:p>
+          <a:p>
+            <a:pPr lvl="3"/>
+            <a:r>
+              <a:rPr lang="en-US"/>
+              <a:t>Fourth level</a:t>
+            </a:r>
+          </a:p>
+          <a:p>
+            <a:pPr lvl="4"/>
+            <a:r>
+              <a:rPr lang="en-US"/>
+              <a:t>Fifth level</a:t>
+            </a:r>
+          </a:p>
+        </p:txBody>
+      </p:sp>
+      <p:sp>
+        <p:nvSpPr>
+          <p:cNvPr id="6" name="Footer Placeholder 5"/>
+          <p:cNvSpPr>
+            <a:spLocks noGrp="1"/>
+          </p:cNvSpPr>
+          <p:nvPr>
+            <p:ph type="ftr" sz="quarter" idx="4"/>
+          </p:nvPr>
+        </p:nvSpPr>
+        <p:spPr>
+          <a:xfrm>
+            <a:off x="0" y="8685213"/>
+            <a:ext cx="2971800" cy="458787"/>
+          </a:xfrm>
+          <a:prstGeom prst="rect">
+            <a:avLst/>
+          </a:prstGeom>
+        </p:spPr>
+        <p:txBody>
+          <a:bodyPr vert="horz" lIns="91440" tIns="45720" rIns="91440" bIns="45720" rtlCol="0" anchor="b"/>
+          <a:lstStyle>
+            <a:lvl1pPr algn="l">
+              <a:defRPr sz="1200"/>
+            </a:lvl1pPr>
+          </a:lstStyle>
+          <a:p>
+            <a:endParaRPr lang="en-US"/>
+          </a:p>
+        </p:txBody>
+      </p:sp>
+      <p:sp>
+        <p:nvSpPr>
+          <p:cNvPr id="7" name="Slide Number Placeholder 6"/>
+          <p:cNvSpPr>
+            <a:spLocks noGrp="1"/>
+          </p:cNvSpPr>
+          <p:nvPr>
+            <p:ph type="sldNum" sz="quarter" idx="5"/>
+          </p:nvPr>
+        </p:nvSpPr>
+        <p:spPr>
+          <a:xfrm>
+            <a:off x="3884613" y="8685213"/>
+            <a:ext cx="2971800" cy="458787"/>
+          </a:xfrm>
+          <a:prstGeom prst="rect">
+            <a:avLst/>
+          </a:prstGeom>
+        </p:spPr>
+        <p:txBody>
+          <a:bodyPr vert="horz" lIns="91440" tIns="45720" rIns="91440" bIns="45720" rtlCol="0" anchor="b"/>
+          <a:lstStyle>
+            <a:lvl1pPr algn="r">
+              <a:defRPr sz="1200"/>
+            </a:lvl1pPr>
+          </a:lstStyle>
+          <a:p>
+            <a:fld id="{BF4C3B83-34BD-4D53-B0DF-83195F1D6520}" type="slidenum">
+              <a:rPr lang="en-US" smtClean="0"/>
+              <a:t>‹#›</a:t>
+            </a:fld>
+            <a:endParaRPr lang="en-US"/>
+          </a:p>
+        </p:txBody>
+      </p:sp>
+    </p:spTree>
+    <p:extLst>
+      <p:ext uri="{BB962C8B-B14F-4D97-AF65-F5344CB8AC3E}">
+        <p14:creationId xmlns:p14="http://schemas.microsoft.com/office/powerpoint/2010/main" val="1411388203"/>
+      </p:ext>
+    </p:extLst>
+  </p:cSld>
+  <p:clrMap bg1="lt1" tx1="dk1" bg2="lt2" tx2="dk2" accent1="accent1" accent2="accent2" accent3="accent3" accent4="accent4" accent5="accent5" accent6="accent6" hlink="hlink" folHlink="folHlink"/>
+  <p:notesStyle>
+    <a:lvl1pPr marL="0" algn="l" defTabSz="914400" rtl="0" eaLnBrk="1" latinLnBrk="0" hangingPunct="1">
+      <a:defRPr sz="1200" kern="1200">
+        <a:solidFill>
+          <a:schemeClr val="tx1"/>
+        </a:solidFill>
+        <a:latin typeface="+mn-lt"/>
+        <a:ea typeface="+mn-ea"/>
+        <a:cs typeface="+mn-cs"/>
+      </a:defRPr>
+    </a:lvl1pPr>
+    <a:lvl2pPr marL="457200" algn="l" defTabSz="914400" rtl="0" eaLnBrk="1" latinLnBrk="0" hangingPunct="1">
+      <a:defRPr sz="1200" kern="1200">
+        <a:solidFill>
+          <a:schemeClr val="tx1"/>
+        </a:solidFill>
+        <a:latin typeface="+mn-lt"/>
+        <a:ea typeface="+mn-ea"/>
+        <a:cs typeface="+mn-cs"/>
+      </a:defRPr>
+    </a:lvl2pPr>
+    <a:lvl3pPr marL="914400" algn="l" defTabSz="914400" rtl="0" eaLnBrk="1" latinLnBrk="0" hangingPunct="1">
+      <a:defRPr sz="1200" kern="1200">
+        <a:solidFill>
+          <a:schemeClr val="tx1"/>
+        </a:solidFill>
+        <a:latin typeface="+mn-lt"/>
+        <a:ea typeface="+mn-ea"/>
+        <a:cs typeface="+mn-cs"/>
+      </a:defRPr>
+    </a:lvl3pPr>
+    <a:lvl4pPr marL="1371600" algn="l" defTabSz="914400" rtl="0" eaLnBrk="1" latinLnBrk="0" hangingPunct="1">
+      <a:defRPr sz="1200" kern="1200">
+        <a:solidFill>
+          <a:schemeClr val="tx1"/>
+        </a:solidFill>
+        <a:latin typeface="+mn-lt"/>
+        <a:ea typeface="+mn-ea"/>
+        <a:cs typeface="+mn-cs"/>
+      </a:defRPr>
+    </a:lvl4pPr>
+    <a:lvl5pPr marL="1828800" algn="l" defTabSz="914400" rtl="0" eaLnBrk="1" latinLnBrk="0" hangingPunct="1">
+      <a:defRPr sz="1200" kern="1200">
+        <a:solidFill>
+          <a:schemeClr val="tx1"/>
+        </a:solidFill>
+        <a:latin typeface="+mn-lt"/>
+        <a:ea typeface="+mn-ea"/>
+        <a:cs typeface="+mn-cs"/>
+      </a:defRPr>
+    </a:lvl5pPr>
+    <a:lvl6pPr marL="2286000" algn="l" defTabSz="914400" rtl="0" eaLnBrk="1" latinLnBrk="0" hangingPunct="1">
+      <a:defRPr sz="1200" kern="1200">
+        <a:solidFill>
+          <a:schemeClr val="tx1"/>
+        </a:solidFill>
+        <a:latin typeface="+mn-lt"/>
+        <a:ea typeface="+mn-ea"/>
+        <a:cs typeface="+mn-cs"/>
+      </a:defRPr>
+    </a:lvl6pPr>
+    <a:lvl7pPr marL="2743200" algn="l" defTabSz="914400" rtl="0" eaLnBrk="1" latinLnBrk="0" hangingPunct="1">
+      <a:defRPr sz="1200" kern="1200">
+        <a:solidFill>
+          <a:schemeClr val="tx1"/>
+        </a:solidFill>
+        <a:latin typeface="+mn-lt"/>
+        <a:ea typeface="+mn-ea"/>
+        <a:cs typeface="+mn-cs"/>
+      </a:defRPr>
+    </a:lvl7pPr>
+    <a:lvl8pPr marL="3200400" algn="l" defTabSz="914400" rtl="0" eaLnBrk="1" latinLnBrk="0" hangingPunct="1">
+      <a:defRPr sz="1200" kern="1200">
+        <a:solidFill>
+          <a:schemeClr val="tx1"/>
+        </a:solidFill>
+        <a:latin typeface="+mn-lt"/>
+        <a:ea typeface="+mn-ea"/>
+        <a:cs typeface="+mn-cs"/>
+      </a:defRPr>
+    </a:lvl8pPr>
+    <a:lvl9pPr marL="3657600" algn="l" defTabSz="914400" rtl="0" eaLnBrk="1" latinLnBrk="0" hangingPunct="1">
+      <a:defRPr sz="1200" kern="1200">
+        <a:solidFill>
+          <a:schemeClr val="tx1"/>
+        </a:solidFill>
+        <a:latin typeface="+mn-lt"/>
+        <a:ea typeface="+mn-ea"/>
+        <a:cs typeface="+mn-cs"/>
+      </a:defRPr>
+    </a:lvl9pPr>
+  </p:notesStyle>
+</p:notesMaster>
+</file>
+
+<file path=ppt/notesSlides/notesSlide1.xml><?xml version="1.0" encoding="utf-8"?>
+<p:notes xmlns:a="http://schemas.openxmlformats.org/drawingml/2006/main" xmlns:r="http://schemas.openxmlformats.org/officeDocument/2006/relationships" xmlns:p="http://schemas.openxmlformats.org/presentationml/2006/main">
+  <p:cSld>
+    <p:spTree>
+      <p:nvGrpSpPr>
+        <p:cNvPr id="1" name=""/>
+        <p:cNvGrpSpPr/>
+        <p:nvPr/>
+      </p:nvGrpSpPr>
+      <p:grpSpPr>
+        <a:xfrm>
+          <a:off x="0" y="0"/>
+          <a:ext cx="0" cy="0"/>
+          <a:chOff x="0" y="0"/>
+          <a:chExt cx="0" cy="0"/>
+        </a:xfrm>
+      </p:grpSpPr>
+      <p:sp>
+        <p:nvSpPr>
+          <p:cNvPr id="2" name="Slide Image Placeholder 1"/>
+          <p:cNvSpPr>
+            <a:spLocks noGrp="1" noRot="1" noChangeAspect="1"/>
+          </p:cNvSpPr>
+          <p:nvPr>
+            <p:ph type="sldImg"/>
+          </p:nvPr>
+        </p:nvSpPr>
+        <p:spPr/>
+      </p:sp>
+      <p:sp>
+        <p:nvSpPr>
+          <p:cNvPr id="3" name="Notes Placeholder 2"/>
+          <p:cNvSpPr>
+            <a:spLocks noGrp="1"/>
+          </p:cNvSpPr>
+          <p:nvPr>
+            <p:ph type="body" idx="1"/>
+          </p:nvPr>
+        </p:nvSpPr>
+        <p:spPr/>
+        <p:txBody>
+          <a:bodyPr/>
+          <a:lstStyle/>
+          <a:p>
+            <a:endParaRPr lang="en-US" dirty="0"/>
+          </a:p>
+        </p:txBody>
+      </p:sp>
+      <p:sp>
+        <p:nvSpPr>
+          <p:cNvPr id="4" name="Slide Number Placeholder 3"/>
+          <p:cNvSpPr>
+            <a:spLocks noGrp="1"/>
+          </p:cNvSpPr>
+          <p:nvPr>
+            <p:ph type="sldNum" sz="quarter" idx="5"/>
+          </p:nvPr>
+        </p:nvSpPr>
+        <p:spPr/>
+        <p:txBody>
+          <a:bodyPr/>
+          <a:lstStyle/>
+          <a:p>
+            <a:fld id="{BF4C3B83-34BD-4D53-B0DF-83195F1D6520}" type="slidenum">
+              <a:rPr lang="en-US" smtClean="0"/>
+              <a:t>1</a:t>
+            </a:fld>
+            <a:endParaRPr lang="en-US"/>
+          </a:p>
+        </p:txBody>
+      </p:sp>
+    </p:spTree>
+    <p:extLst>
+      <p:ext uri="{BB962C8B-B14F-4D97-AF65-F5344CB8AC3E}">
+        <p14:creationId xmlns:p14="http://schemas.microsoft.com/office/powerpoint/2010/main" val="2232711826"/>
+      </p:ext>
+    </p:extLst>
+  </p:cSld>
+  <p:clrMapOvr>
+    <a:masterClrMapping/>
+  </p:clrMapOvr>
+</p:notes>
 </file>
 
 <file path=ppt/slideLayouts/slideLayout1.xml><?xml version="1.0" encoding="utf-8"?>
@@ -6627,6 +7111,72 @@
 </p:sld>
 </file>
 
+<file path=ppt/slides/slide6.xml><?xml version="1.0" encoding="utf-8"?>
+<p:sld xmlns:a="http://schemas.openxmlformats.org/drawingml/2006/main" xmlns:r="http://schemas.openxmlformats.org/officeDocument/2006/relationships" xmlns:p="http://schemas.openxmlformats.org/presentationml/2006/main">
+  <p:cSld>
+    <p:spTree>
+      <p:nvGrpSpPr>
+        <p:cNvPr id="1" name=""/>
+        <p:cNvGrpSpPr/>
+        <p:nvPr/>
+      </p:nvGrpSpPr>
+      <p:grpSpPr>
+        <a:xfrm>
+          <a:off x="0" y="0"/>
+          <a:ext cx="0" cy="0"/>
+          <a:chOff x="0" y="0"/>
+          <a:chExt cx="0" cy="0"/>
+        </a:xfrm>
+      </p:grpSpPr>
+      <p:pic>
+        <p:nvPicPr>
+          <p:cNvPr id="4" name="Picture 3" descr="A screenshot of a cell phone&#10;&#10;Description automatically generated">
+            <a:extLst>
+              <a:ext uri="{FF2B5EF4-FFF2-40B4-BE49-F238E27FC236}">
+                <a16:creationId xmlns:a16="http://schemas.microsoft.com/office/drawing/2014/main" id="{50DC1870-4B8C-4EA1-B724-C7E4DC0949C7}"/>
+              </a:ext>
+            </a:extLst>
+          </p:cNvPr>
+          <p:cNvPicPr>
+            <a:picLocks noChangeAspect="1"/>
+          </p:cNvPicPr>
+          <p:nvPr/>
+        </p:nvPicPr>
+        <p:blipFill>
+          <a:blip r:embed="rId2">
+            <a:extLst>
+              <a:ext uri="{28A0092B-C50C-407E-A947-70E740481C1C}">
+                <a14:useLocalDpi xmlns:a14="http://schemas.microsoft.com/office/drawing/2010/main" val="0"/>
+              </a:ext>
+            </a:extLst>
+          </a:blip>
+          <a:stretch>
+            <a:fillRect/>
+          </a:stretch>
+        </p:blipFill>
+        <p:spPr>
+          <a:xfrm>
+            <a:off x="0" y="-1"/>
+            <a:ext cx="12192000" cy="6859207"/>
+          </a:xfrm>
+          <a:prstGeom prst="rect">
+            <a:avLst/>
+          </a:prstGeom>
+        </p:spPr>
+      </p:pic>
+    </p:spTree>
+    <p:extLst>
+      <p:ext uri="{BB962C8B-B14F-4D97-AF65-F5344CB8AC3E}">
+        <p14:creationId xmlns:p14="http://schemas.microsoft.com/office/powerpoint/2010/main" val="406152668"/>
+      </p:ext>
+    </p:extLst>
+  </p:cSld>
+  <p:clrMapOvr>
+    <a:masterClrMapping/>
+  </p:clrMapOvr>
+</p:sld>
+</file>
+
 <file path=ppt/theme/theme1.xml><?xml version="1.0" encoding="utf-8"?>
 <a:theme xmlns:a="http://schemas.openxmlformats.org/drawingml/2006/main" name="Ion">
   <a:themeElements>
@@ -6891,4 +7441,299 @@
     </a:ext>
   </a:extLst>
 </a:theme>
+</file>
+
+<file path=ppt/theme/theme2.xml><?xml version="1.0" encoding="utf-8"?>
+<a:theme xmlns:a="http://schemas.openxmlformats.org/drawingml/2006/main" name="Office Theme">
+  <a:themeElements>
+    <a:clrScheme name="Office">
+      <a:dk1>
+        <a:sysClr val="windowText" lastClr="000000"/>
+      </a:dk1>
+      <a:lt1>
+        <a:sysClr val="window" lastClr="FFFFFF"/>
+      </a:lt1>
+      <a:dk2>
+        <a:srgbClr val="44546A"/>
+      </a:dk2>
+      <a:lt2>
+        <a:srgbClr val="E7E6E6"/>
+      </a:lt2>
+      <a:accent1>
+        <a:srgbClr val="4472C4"/>
+      </a:accent1>
+      <a:accent2>
+        <a:srgbClr val="ED7D31"/>
+      </a:accent2>
+      <a:accent3>
+        <a:srgbClr val="A5A5A5"/>
+      </a:accent3>
+      <a:accent4>
+        <a:srgbClr val="FFC000"/>
+      </a:accent4>
+      <a:accent5>
+        <a:srgbClr val="5B9BD5"/>
+      </a:accent5>
+      <a:accent6>
+        <a:srgbClr val="70AD47"/>
+      </a:accent6>
+      <a:hlink>
+        <a:srgbClr val="0563C1"/>
+      </a:hlink>
+      <a:folHlink>
+        <a:srgbClr val="954F72"/>
+      </a:folHlink>
+    </a:clrScheme>
+    <a:fontScheme name="Office">
+      <a:majorFont>
+        <a:latin typeface="Calibri Light" panose="020F0302020204030204"/>
+        <a:ea typeface=""/>
+        <a:cs typeface=""/>
+        <a:font script="Jpan" typeface="游ゴシック Light"/>
+        <a:font script="Hang" typeface="맑은 고딕"/>
+        <a:font script="Hans" typeface="等线 Light"/>
+        <a:font script="Hant" typeface="新細明體"/>
+        <a:font script="Arab" typeface="Times New Roman"/>
+        <a:font script="Hebr" typeface="Times New Roman"/>
+        <a:font script="Thai" typeface="Angsana New"/>
+        <a:font script="Ethi" typeface="Nyala"/>
+        <a:font script="Beng" typeface="Vrinda"/>
+        <a:font script="Gujr" typeface="Shruti"/>
+        <a:font script="Khmr" typeface="MoolBoran"/>
+        <a:font script="Knda" typeface="Tunga"/>
+        <a:font script="Guru" typeface="Raavi"/>
+        <a:font script="Cans" typeface="Euphemia"/>
+        <a:font script="Cher" typeface="Plantagenet Cherokee"/>
+        <a:font script="Yiii" typeface="Microsoft Yi Baiti"/>
+        <a:font script="Tibt" typeface="Microsoft Himalaya"/>
+        <a:font script="Thaa" typeface="MV Boli"/>
+        <a:font script="Deva" typeface="Mangal"/>
+        <a:font script="Telu" typeface="Gautami"/>
+        <a:font script="Taml" typeface="Latha"/>
+        <a:font script="Syrc" typeface="Estrangelo Edessa"/>
+        <a:font script="Orya" typeface="Kalinga"/>
+        <a:font script="Mlym" typeface="Kartika"/>
+        <a:font script="Laoo" typeface="DokChampa"/>
+        <a:font script="Sinh" typeface="Iskoola Pota"/>
+        <a:font script="Mong" typeface="Mongolian Baiti"/>
+        <a:font script="Viet" typeface="Times New Roman"/>
+        <a:font script="Uigh" typeface="Microsoft Uighur"/>
+        <a:font script="Geor" typeface="Sylfaen"/>
+        <a:font script="Armn" typeface="Arial"/>
+        <a:font script="Bugi" typeface="Leelawadee UI"/>
+        <a:font script="Bopo" typeface="Microsoft JhengHei"/>
+        <a:font script="Java" typeface="Javanese Text"/>
+        <a:font script="Lisu" typeface="Segoe UI"/>
+        <a:font script="Mymr" typeface="Myanmar Text"/>
+        <a:font script="Nkoo" typeface="Ebrima"/>
+        <a:font script="Olck" typeface="Nirmala UI"/>
+        <a:font script="Osma" typeface="Ebrima"/>
+        <a:font script="Phag" typeface="Phagspa"/>
+        <a:font script="Syrn" typeface="Estrangelo Edessa"/>
+        <a:font script="Syrj" typeface="Estrangelo Edessa"/>
+        <a:font script="Syre" typeface="Estrangelo Edessa"/>
+        <a:font script="Sora" typeface="Nirmala UI"/>
+        <a:font script="Tale" typeface="Microsoft Tai Le"/>
+        <a:font script="Talu" typeface="Microsoft New Tai Lue"/>
+        <a:font script="Tfng" typeface="Ebrima"/>
+      </a:majorFont>
+      <a:minorFont>
+        <a:latin typeface="Calibri" panose="020F0502020204030204"/>
+        <a:ea typeface=""/>
+        <a:cs typeface=""/>
+        <a:font script="Jpan" typeface="游ゴシック"/>
+        <a:font script="Hang" typeface="맑은 고딕"/>
+        <a:font script="Hans" typeface="等线"/>
+        <a:font script="Hant" typeface="新細明體"/>
+        <a:font script="Arab" typeface="Arial"/>
+        <a:font script="Hebr" typeface="Arial"/>
+        <a:font script="Thai" typeface="Cordia New"/>
+        <a:font script="Ethi" typeface="Nyala"/>
+        <a:font script="Beng" typeface="Vrinda"/>
+        <a:font script="Gujr" typeface="Shruti"/>
+        <a:font script="Khmr" typeface="DaunPenh"/>
+        <a:font script="Knda" typeface="Tunga"/>
+        <a:font script="Guru" typeface="Raavi"/>
+        <a:font script="Cans" typeface="Euphemia"/>
+        <a:font script="Cher" typeface="Plantagenet Cherokee"/>
+        <a:font script="Yiii" typeface="Microsoft Yi Baiti"/>
+        <a:font script="Tibt" typeface="Microsoft Himalaya"/>
+        <a:font script="Thaa" typeface="MV Boli"/>
+        <a:font script="Deva" typeface="Mangal"/>
+        <a:font script="Telu" typeface="Gautami"/>
+        <a:font script="Taml" typeface="Latha"/>
+        <a:font script="Syrc" typeface="Estrangelo Edessa"/>
+        <a:font script="Orya" typeface="Kalinga"/>
+        <a:font script="Mlym" typeface="Kartika"/>
+        <a:font script="Laoo" typeface="DokChampa"/>
+        <a:font script="Sinh" typeface="Iskoola Pota"/>
+        <a:font script="Mong" typeface="Mongolian Baiti"/>
+        <a:font script="Viet" typeface="Arial"/>
+        <a:font script="Uigh" typeface="Microsoft Uighur"/>
+        <a:font script="Geor" typeface="Sylfaen"/>
+        <a:font script="Armn" typeface="Arial"/>
+        <a:font script="Bugi" typeface="Leelawadee UI"/>
+        <a:font script="Bopo" typeface="Microsoft JhengHei"/>
+        <a:font script="Java" typeface="Javanese Text"/>
+        <a:font script="Lisu" typeface="Segoe UI"/>
+        <a:font script="Mymr" typeface="Myanmar Text"/>
+        <a:font script="Nkoo" typeface="Ebrima"/>
+        <a:font script="Olck" typeface="Nirmala UI"/>
+        <a:font script="Osma" typeface="Ebrima"/>
+        <a:font script="Phag" typeface="Phagspa"/>
+        <a:font script="Syrn" typeface="Estrangelo Edessa"/>
+        <a:font script="Syrj" typeface="Estrangelo Edessa"/>
+        <a:font script="Syre" typeface="Estrangelo Edessa"/>
+        <a:font script="Sora" typeface="Nirmala UI"/>
+        <a:font script="Tale" typeface="Microsoft Tai Le"/>
+        <a:font script="Talu" typeface="Microsoft New Tai Lue"/>
+        <a:font script="Tfng" typeface="Ebrima"/>
+      </a:minorFont>
+    </a:fontScheme>
+    <a:fmtScheme name="Office">
+      <a:fillStyleLst>
+        <a:solidFill>
+          <a:schemeClr val="phClr"/>
+        </a:solidFill>
+        <a:gradFill rotWithShape="1">
+          <a:gsLst>
+            <a:gs pos="0">
+              <a:schemeClr val="phClr">
+                <a:lumMod val="110000"/>
+                <a:satMod val="105000"/>
+                <a:tint val="67000"/>
+              </a:schemeClr>
+            </a:gs>
+            <a:gs pos="50000">
+              <a:schemeClr val="phClr">
+                <a:lumMod val="105000"/>
+                <a:satMod val="103000"/>
+                <a:tint val="73000"/>
+              </a:schemeClr>
+            </a:gs>
+            <a:gs pos="100000">
+              <a:schemeClr val="phClr">
+                <a:lumMod val="105000"/>
+                <a:satMod val="109000"/>
+                <a:tint val="81000"/>
+              </a:schemeClr>
+            </a:gs>
+          </a:gsLst>
+          <a:lin ang="5400000" scaled="0"/>
+        </a:gradFill>
+        <a:gradFill rotWithShape="1">
+          <a:gsLst>
+            <a:gs pos="0">
+              <a:schemeClr val="phClr">
+                <a:satMod val="103000"/>
+                <a:lumMod val="102000"/>
+                <a:tint val="94000"/>
+              </a:schemeClr>
+            </a:gs>
+            <a:gs pos="50000">
+              <a:schemeClr val="phClr">
+                <a:satMod val="110000"/>
+                <a:lumMod val="100000"/>
+                <a:shade val="100000"/>
+              </a:schemeClr>
+            </a:gs>
+            <a:gs pos="100000">
+              <a:schemeClr val="phClr">
+                <a:lumMod val="99000"/>
+                <a:satMod val="120000"/>
+                <a:shade val="78000"/>
+              </a:schemeClr>
+            </a:gs>
+          </a:gsLst>
+          <a:lin ang="5400000" scaled="0"/>
+        </a:gradFill>
+      </a:fillStyleLst>
+      <a:lnStyleLst>
+        <a:ln w="6350" cap="flat" cmpd="sng" algn="ctr">
+          <a:solidFill>
+            <a:schemeClr val="phClr"/>
+          </a:solidFill>
+          <a:prstDash val="solid"/>
+          <a:miter lim="800000"/>
+        </a:ln>
+        <a:ln w="12700" cap="flat" cmpd="sng" algn="ctr">
+          <a:solidFill>
+            <a:schemeClr val="phClr"/>
+          </a:solidFill>
+          <a:prstDash val="solid"/>
+          <a:miter lim="800000"/>
+        </a:ln>
+        <a:ln w="19050" cap="flat" cmpd="sng" algn="ctr">
+          <a:solidFill>
+            <a:schemeClr val="phClr"/>
+          </a:solidFill>
+          <a:prstDash val="solid"/>
+          <a:miter lim="800000"/>
+        </a:ln>
+      </a:lnStyleLst>
+      <a:effectStyleLst>
+        <a:effectStyle>
+          <a:effectLst/>
+        </a:effectStyle>
+        <a:effectStyle>
+          <a:effectLst/>
+        </a:effectStyle>
+        <a:effectStyle>
+          <a:effectLst>
+            <a:outerShdw blurRad="57150" dist="19050" dir="5400000" algn="ctr" rotWithShape="0">
+              <a:srgbClr val="000000">
+                <a:alpha val="63000"/>
+              </a:srgbClr>
+            </a:outerShdw>
+          </a:effectLst>
+        </a:effectStyle>
+      </a:effectStyleLst>
+      <a:bgFillStyleLst>
+        <a:solidFill>
+          <a:schemeClr val="phClr"/>
+        </a:solidFill>
+        <a:solidFill>
+          <a:schemeClr val="phClr">
+            <a:tint val="95000"/>
+            <a:satMod val="170000"/>
+          </a:schemeClr>
+        </a:solidFill>
+        <a:gradFill rotWithShape="1">
+          <a:gsLst>
+            <a:gs pos="0">
+              <a:schemeClr val="phClr">
+                <a:tint val="93000"/>
+                <a:satMod val="150000"/>
+                <a:shade val="98000"/>
+                <a:lumMod val="102000"/>
+              </a:schemeClr>
+            </a:gs>
+            <a:gs pos="50000">
+              <a:schemeClr val="phClr">
+                <a:tint val="98000"/>
+                <a:satMod val="130000"/>
+                <a:shade val="90000"/>
+                <a:lumMod val="103000"/>
+              </a:schemeClr>
+            </a:gs>
+            <a:gs pos="100000">
+              <a:schemeClr val="phClr">
+                <a:shade val="63000"/>
+                <a:satMod val="120000"/>
+              </a:schemeClr>
+            </a:gs>
+          </a:gsLst>
+          <a:lin ang="5400000" scaled="0"/>
+        </a:gradFill>
+      </a:bgFillStyleLst>
+    </a:fmtScheme>
+  </a:themeElements>
+  <a:objectDefaults/>
+  <a:extraClrSchemeLst/>
+  <a:extLst>
+    <a:ext uri="{05A4C25C-085E-4340-85A3-A5531E510DB2}">
+      <thm15:themeFamily xmlns:thm15="http://schemas.microsoft.com/office/thememl/2012/main" name="Office Theme" id="{62F939B6-93AF-4DB8-9C6B-D6C7DFDC589F}" vid="{4A3C46E8-61CC-4603-A589-7422A47A8E4A}"/>
+    </a:ext>
+  </a:extLst>
+</a:theme>
 </file>
--- a/Data607-Project3-Presentation.pptx
+++ b/Data607-Project3-Presentation.pptx
@@ -134,16 +134,24 @@
   <pc:docChgLst>
     <pc:chgData name=" " userId="9de9514f295d26bc" providerId="LiveId" clId="{B15E19FD-15E1-414B-8A3F-F5E0AA5CF060}"/>
     <pc:docChg chg="custSel addSld delSld modSld">
-      <pc:chgData name=" " userId="9de9514f295d26bc" providerId="LiveId" clId="{B15E19FD-15E1-414B-8A3F-F5E0AA5CF060}" dt="2020-03-14T16:30:29.231" v="175" actId="14100"/>
+      <pc:chgData name=" " userId="9de9514f295d26bc" providerId="LiveId" clId="{B15E19FD-15E1-414B-8A3F-F5E0AA5CF060}" dt="2020-03-14T16:31:54.569" v="181" actId="20577"/>
       <pc:docMkLst>
         <pc:docMk/>
       </pc:docMkLst>
       <pc:sldChg chg="addSp delSp modSp">
-        <pc:chgData name=" " userId="9de9514f295d26bc" providerId="LiveId" clId="{B15E19FD-15E1-414B-8A3F-F5E0AA5CF060}" dt="2020-03-14T16:30:14.031" v="169"/>
+        <pc:chgData name=" " userId="9de9514f295d26bc" providerId="LiveId" clId="{B15E19FD-15E1-414B-8A3F-F5E0AA5CF060}" dt="2020-03-14T16:31:54.569" v="181" actId="20577"/>
         <pc:sldMkLst>
           <pc:docMk/>
           <pc:sldMk cId="1809214026" sldId="256"/>
         </pc:sldMkLst>
+        <pc:spChg chg="mod">
+          <ac:chgData name=" " userId="9de9514f295d26bc" providerId="LiveId" clId="{B15E19FD-15E1-414B-8A3F-F5E0AA5CF060}" dt="2020-03-14T16:31:54.569" v="181" actId="20577"/>
+          <ac:spMkLst>
+            <pc:docMk/>
+            <pc:sldMk cId="1809214026" sldId="256"/>
+            <ac:spMk id="2" creationId="{52F94748-F9DE-424A-A6CD-350E0C5F7A25}"/>
+          </ac:spMkLst>
+        </pc:spChg>
         <pc:spChg chg="mod">
           <ac:chgData name=" " userId="9de9514f295d26bc" providerId="LiveId" clId="{B15E19FD-15E1-414B-8A3F-F5E0AA5CF060}" dt="2020-03-14T15:28:14.725" v="94" actId="27636"/>
           <ac:spMkLst>
@@ -6753,7 +6761,7 @@
           <a:p>
             <a:r>
               <a:rPr lang="en-US" dirty="0"/>
-              <a:t>Project 3- &lt;&lt;&gt;&gt;</a:t>
+              <a:t>Project 3- Indeed</a:t>
             </a:r>
           </a:p>
         </p:txBody>

--- a/Data607-Project3-Presentation.pptx
+++ b/Data607-Project3-Presentation.pptx
@@ -5,15 +5,17 @@
     <p:sldMasterId id="2147483660" r:id="rId1"/>
   </p:sldMasterIdLst>
   <p:notesMasterIdLst>
-    <p:notesMasterId r:id="rId8"/>
+    <p:notesMasterId r:id="rId10"/>
   </p:notesMasterIdLst>
   <p:sldIdLst>
     <p:sldId id="256" r:id="rId2"/>
     <p:sldId id="257" r:id="rId3"/>
     <p:sldId id="259" r:id="rId4"/>
-    <p:sldId id="261" r:id="rId5"/>
-    <p:sldId id="260" r:id="rId6"/>
-    <p:sldId id="262" r:id="rId7"/>
+    <p:sldId id="264" r:id="rId5"/>
+    <p:sldId id="261" r:id="rId6"/>
+    <p:sldId id="260" r:id="rId7"/>
+    <p:sldId id="262" r:id="rId8"/>
+    <p:sldId id="263" r:id="rId9"/>
   </p:sldIdLst>
   <p:sldSz cx="12192000" cy="6858000"/>
   <p:notesSz cx="6858000" cy="9144000"/>
@@ -120,11 +122,22 @@
 </p:presentation>
 </file>
 
+<file path=ppt/commentAuthors.xml><?xml version="1.0" encoding="utf-8"?>
+<p:cmAuthorLst xmlns:a="http://schemas.openxmlformats.org/drawingml/2006/main" xmlns:r="http://schemas.openxmlformats.org/officeDocument/2006/relationships" xmlns:p="http://schemas.openxmlformats.org/presentationml/2006/main">
+  <p:cmAuthor id="1" name=" " initials="" lastIdx="1" clrIdx="0">
+    <p:extLst>
+      <p:ext uri="{19B8F6BF-5375-455C-9EA6-DF929625EA0E}">
+        <p15:presenceInfo xmlns:p15="http://schemas.microsoft.com/office/powerpoint/2012/main" userId="9de9514f295d26bc" providerId="Windows Live"/>
+      </p:ext>
+    </p:extLst>
+  </p:cmAuthor>
+</p:cmAuthorLst>
+</file>
+
 <file path=ppt/revisionInfo.xml><?xml version="1.0" encoding="utf-8"?>
 <p1510:revInfo xmlns:a="http://schemas.openxmlformats.org/drawingml/2006/main" xmlns:r="http://schemas.openxmlformats.org/officeDocument/2006/relationships" xmlns:p1510="http://schemas.microsoft.com/office/powerpoint/2015/10/main">
   <p1510:revLst>
-    <p1510:client id="{91260C80-A828-4390-9C22-42D96CCC421B}" v="3" dt="2020-03-14T15:04:11.288"/>
-    <p1510:client id="{B15E19FD-15E1-414B-8A3F-F5E0AA5CF060}" v="18" dt="2020-03-14T16:30:18.635"/>
+    <p1510:client id="{B15E19FD-15E1-414B-8A3F-F5E0AA5CF060}" v="33" dt="2020-03-22T00:03:41.322"/>
   </p1510:revLst>
 </p1510:revInfo>
 </file>
@@ -133,19 +146,19 @@
 <pc:chgInfo xmlns:a="http://schemas.openxmlformats.org/drawingml/2006/main" xmlns:r="http://schemas.openxmlformats.org/officeDocument/2006/relationships" xmlns:ac="http://schemas.microsoft.com/office/drawing/2013/main/command" xmlns:pc="http://schemas.microsoft.com/office/powerpoint/2013/main/command">
   <pc:docChgLst>
     <pc:chgData name=" " userId="9de9514f295d26bc" providerId="LiveId" clId="{B15E19FD-15E1-414B-8A3F-F5E0AA5CF060}"/>
-    <pc:docChg chg="custSel addSld delSld modSld">
-      <pc:chgData name=" " userId="9de9514f295d26bc" providerId="LiveId" clId="{B15E19FD-15E1-414B-8A3F-F5E0AA5CF060}" dt="2020-03-14T16:31:54.569" v="181" actId="20577"/>
+    <pc:docChg chg="undo custSel mod addSld delSld modSld">
+      <pc:chgData name=" " userId="9de9514f295d26bc" providerId="LiveId" clId="{B15E19FD-15E1-414B-8A3F-F5E0AA5CF060}" dt="2020-03-22T00:03:45.905" v="1242" actId="478"/>
       <pc:docMkLst>
         <pc:docMk/>
       </pc:docMkLst>
       <pc:sldChg chg="addSp delSp modSp">
-        <pc:chgData name=" " userId="9de9514f295d26bc" providerId="LiveId" clId="{B15E19FD-15E1-414B-8A3F-F5E0AA5CF060}" dt="2020-03-14T16:31:54.569" v="181" actId="20577"/>
+        <pc:chgData name=" " userId="9de9514f295d26bc" providerId="LiveId" clId="{B15E19FD-15E1-414B-8A3F-F5E0AA5CF060}" dt="2020-03-21T23:09:09.152" v="1239" actId="27636"/>
         <pc:sldMkLst>
           <pc:docMk/>
           <pc:sldMk cId="1809214026" sldId="256"/>
         </pc:sldMkLst>
         <pc:spChg chg="mod">
-          <ac:chgData name=" " userId="9de9514f295d26bc" providerId="LiveId" clId="{B15E19FD-15E1-414B-8A3F-F5E0AA5CF060}" dt="2020-03-14T16:31:54.569" v="181" actId="20577"/>
+          <ac:chgData name=" " userId="9de9514f295d26bc" providerId="LiveId" clId="{B15E19FD-15E1-414B-8A3F-F5E0AA5CF060}" dt="2020-03-21T23:08:36.609" v="1206" actId="313"/>
           <ac:spMkLst>
             <pc:docMk/>
             <pc:sldMk cId="1809214026" sldId="256"/>
@@ -153,7 +166,7 @@
           </ac:spMkLst>
         </pc:spChg>
         <pc:spChg chg="mod">
-          <ac:chgData name=" " userId="9de9514f295d26bc" providerId="LiveId" clId="{B15E19FD-15E1-414B-8A3F-F5E0AA5CF060}" dt="2020-03-14T15:28:14.725" v="94" actId="27636"/>
+          <ac:chgData name=" " userId="9de9514f295d26bc" providerId="LiveId" clId="{B15E19FD-15E1-414B-8A3F-F5E0AA5CF060}" dt="2020-03-21T23:09:09.152" v="1239" actId="27636"/>
           <ac:spMkLst>
             <pc:docMk/>
             <pc:sldMk cId="1809214026" sldId="256"/>
@@ -215,19 +228,131 @@
           <pc:sldMk cId="1751266570" sldId="258"/>
         </pc:sldMkLst>
       </pc:sldChg>
-      <pc:sldChg chg="add">
-        <pc:chgData name=" " userId="9de9514f295d26bc" providerId="LiveId" clId="{B15E19FD-15E1-414B-8A3F-F5E0AA5CF060}" dt="2020-03-14T15:27:48.483" v="81"/>
+      <pc:sldChg chg="addSp delSp modSp add addCm delCm">
+        <pc:chgData name=" " userId="9de9514f295d26bc" providerId="LiveId" clId="{B15E19FD-15E1-414B-8A3F-F5E0AA5CF060}" dt="2020-03-21T22:58:42.875" v="1062" actId="1592"/>
         <pc:sldMkLst>
           <pc:docMk/>
           <pc:sldMk cId="1926743661" sldId="259"/>
         </pc:sldMkLst>
+        <pc:spChg chg="del">
+          <ac:chgData name=" " userId="9de9514f295d26bc" providerId="LiveId" clId="{B15E19FD-15E1-414B-8A3F-F5E0AA5CF060}" dt="2020-03-21T22:48:34.779" v="183" actId="478"/>
+          <ac:spMkLst>
+            <pc:docMk/>
+            <pc:sldMk cId="1926743661" sldId="259"/>
+            <ac:spMk id="2" creationId="{F6F434E0-5856-4478-8E1A-EF3855AB4B3E}"/>
+          </ac:spMkLst>
+        </pc:spChg>
+        <pc:spChg chg="del">
+          <ac:chgData name=" " userId="9de9514f295d26bc" providerId="LiveId" clId="{B15E19FD-15E1-414B-8A3F-F5E0AA5CF060}" dt="2020-03-21T22:48:12.692" v="182" actId="478"/>
+          <ac:spMkLst>
+            <pc:docMk/>
+            <pc:sldMk cId="1926743661" sldId="259"/>
+            <ac:spMk id="3" creationId="{05DC0EA2-E540-46B3-812D-B409B35D5245}"/>
+          </ac:spMkLst>
+        </pc:spChg>
+        <pc:spChg chg="add mod">
+          <ac:chgData name=" " userId="9de9514f295d26bc" providerId="LiveId" clId="{B15E19FD-15E1-414B-8A3F-F5E0AA5CF060}" dt="2020-03-21T22:58:24.427" v="1061" actId="1076"/>
+          <ac:spMkLst>
+            <pc:docMk/>
+            <pc:sldMk cId="1926743661" sldId="259"/>
+            <ac:spMk id="5" creationId="{3F1E9FD3-1ECF-434C-B64D-CD3E70686126}"/>
+          </ac:spMkLst>
+        </pc:spChg>
+        <pc:spChg chg="add mod">
+          <ac:chgData name=" " userId="9de9514f295d26bc" providerId="LiveId" clId="{B15E19FD-15E1-414B-8A3F-F5E0AA5CF060}" dt="2020-03-21T22:56:05.766" v="756" actId="14100"/>
+          <ac:spMkLst>
+            <pc:docMk/>
+            <pc:sldMk cId="1926743661" sldId="259"/>
+            <ac:spMk id="6" creationId="{46A76703-5D49-42ED-B68F-DBD512084780}"/>
+          </ac:spMkLst>
+        </pc:spChg>
+        <pc:spChg chg="add mod">
+          <ac:chgData name=" " userId="9de9514f295d26bc" providerId="LiveId" clId="{B15E19FD-15E1-414B-8A3F-F5E0AA5CF060}" dt="2020-03-21T22:55:44.013" v="754" actId="313"/>
+          <ac:spMkLst>
+            <pc:docMk/>
+            <pc:sldMk cId="1926743661" sldId="259"/>
+            <ac:spMk id="7" creationId="{07238736-FF05-4550-845C-FCAEFE0D5AE4}"/>
+          </ac:spMkLst>
+        </pc:spChg>
+        <pc:spChg chg="add mod">
+          <ac:chgData name=" " userId="9de9514f295d26bc" providerId="LiveId" clId="{B15E19FD-15E1-414B-8A3F-F5E0AA5CF060}" dt="2020-03-21T22:58:14.963" v="1060" actId="20577"/>
+          <ac:spMkLst>
+            <pc:docMk/>
+            <pc:sldMk cId="1926743661" sldId="259"/>
+            <ac:spMk id="8" creationId="{A496CF61-881C-43BD-BCF8-22CDEAA36655}"/>
+          </ac:spMkLst>
+        </pc:spChg>
+        <pc:picChg chg="add mod">
+          <ac:chgData name=" " userId="9de9514f295d26bc" providerId="LiveId" clId="{B15E19FD-15E1-414B-8A3F-F5E0AA5CF060}" dt="2020-03-21T22:48:54.005" v="188" actId="1076"/>
+          <ac:picMkLst>
+            <pc:docMk/>
+            <pc:sldMk cId="1926743661" sldId="259"/>
+            <ac:picMk id="4" creationId="{8D75ED9E-79E6-4CAA-B52E-C73930DED9A6}"/>
+          </ac:picMkLst>
+        </pc:picChg>
       </pc:sldChg>
-      <pc:sldChg chg="add">
-        <pc:chgData name=" " userId="9de9514f295d26bc" providerId="LiveId" clId="{B15E19FD-15E1-414B-8A3F-F5E0AA5CF060}" dt="2020-03-14T15:27:49.561" v="82"/>
+      <pc:sldChg chg="addSp delSp modSp add">
+        <pc:chgData name=" " userId="9de9514f295d26bc" providerId="LiveId" clId="{B15E19FD-15E1-414B-8A3F-F5E0AA5CF060}" dt="2020-03-21T23:04:02.700" v="1120" actId="1035"/>
         <pc:sldMkLst>
           <pc:docMk/>
           <pc:sldMk cId="74770176" sldId="260"/>
         </pc:sldMkLst>
+        <pc:spChg chg="del">
+          <ac:chgData name=" " userId="9de9514f295d26bc" providerId="LiveId" clId="{B15E19FD-15E1-414B-8A3F-F5E0AA5CF060}" dt="2020-03-21T22:59:02.513" v="1064" actId="478"/>
+          <ac:spMkLst>
+            <pc:docMk/>
+            <pc:sldMk cId="74770176" sldId="260"/>
+            <ac:spMk id="2" creationId="{F6F434E0-5856-4478-8E1A-EF3855AB4B3E}"/>
+          </ac:spMkLst>
+        </pc:spChg>
+        <pc:spChg chg="del">
+          <ac:chgData name=" " userId="9de9514f295d26bc" providerId="LiveId" clId="{B15E19FD-15E1-414B-8A3F-F5E0AA5CF060}" dt="2020-03-21T22:59:04.428" v="1065" actId="478"/>
+          <ac:spMkLst>
+            <pc:docMk/>
+            <pc:sldMk cId="74770176" sldId="260"/>
+            <ac:spMk id="3" creationId="{05DC0EA2-E540-46B3-812D-B409B35D5245}"/>
+          </ac:spMkLst>
+        </pc:spChg>
+        <pc:picChg chg="add mod">
+          <ac:chgData name=" " userId="9de9514f295d26bc" providerId="LiveId" clId="{B15E19FD-15E1-414B-8A3F-F5E0AA5CF060}" dt="2020-03-21T23:04:02.700" v="1120" actId="1035"/>
+          <ac:picMkLst>
+            <pc:docMk/>
+            <pc:sldMk cId="74770176" sldId="260"/>
+            <ac:picMk id="4" creationId="{F72E4928-0F17-49C3-9159-72F2A5C9CBE5}"/>
+          </ac:picMkLst>
+        </pc:picChg>
+        <pc:picChg chg="add mod">
+          <ac:chgData name=" " userId="9de9514f295d26bc" providerId="LiveId" clId="{B15E19FD-15E1-414B-8A3F-F5E0AA5CF060}" dt="2020-03-21T23:02:41.551" v="1103" actId="1037"/>
+          <ac:picMkLst>
+            <pc:docMk/>
+            <pc:sldMk cId="74770176" sldId="260"/>
+            <ac:picMk id="5" creationId="{7F72BF95-7819-4792-9526-CABC8809A5A4}"/>
+          </ac:picMkLst>
+        </pc:picChg>
+        <pc:picChg chg="add mod">
+          <ac:chgData name=" " userId="9de9514f295d26bc" providerId="LiveId" clId="{B15E19FD-15E1-414B-8A3F-F5E0AA5CF060}" dt="2020-03-21T23:02:35.900" v="1100" actId="1038"/>
+          <ac:picMkLst>
+            <pc:docMk/>
+            <pc:sldMk cId="74770176" sldId="260"/>
+            <ac:picMk id="6" creationId="{9FCB9A72-C161-4973-9DBE-8933D14A0508}"/>
+          </ac:picMkLst>
+        </pc:picChg>
+        <pc:picChg chg="add mod">
+          <ac:chgData name=" " userId="9de9514f295d26bc" providerId="LiveId" clId="{B15E19FD-15E1-414B-8A3F-F5E0AA5CF060}" dt="2020-03-21T23:03:43.703" v="1112" actId="14100"/>
+          <ac:picMkLst>
+            <pc:docMk/>
+            <pc:sldMk cId="74770176" sldId="260"/>
+            <ac:picMk id="7" creationId="{2E3EB8AB-75A7-4CF3-BFD7-023E795A5929}"/>
+          </ac:picMkLst>
+        </pc:picChg>
+        <pc:picChg chg="add mod">
+          <ac:chgData name=" " userId="9de9514f295d26bc" providerId="LiveId" clId="{B15E19FD-15E1-414B-8A3F-F5E0AA5CF060}" dt="2020-03-21T23:03:35.002" v="1110" actId="14100"/>
+          <ac:picMkLst>
+            <pc:docMk/>
+            <pc:sldMk cId="74770176" sldId="260"/>
+            <ac:picMk id="8" creationId="{0EE4EA88-24E3-485B-B3BE-742FB0989D18}"/>
+          </ac:picMkLst>
+        </pc:picChg>
       </pc:sldChg>
       <pc:sldChg chg="modSp add">
         <pc:chgData name=" " userId="9de9514f295d26bc" providerId="LiveId" clId="{B15E19FD-15E1-414B-8A3F-F5E0AA5CF060}" dt="2020-03-14T15:29:15.773" v="156" actId="20577"/>
@@ -251,8 +376,8 @@
           <pc:sldMk cId="3922338522" sldId="261"/>
         </pc:sldMkLst>
       </pc:sldChg>
-      <pc:sldChg chg="addSp delSp modSp add">
-        <pc:chgData name=" " userId="9de9514f295d26bc" providerId="LiveId" clId="{B15E19FD-15E1-414B-8A3F-F5E0AA5CF060}" dt="2020-03-14T16:30:29.231" v="175" actId="14100"/>
+      <pc:sldChg chg="addSp delSp modSp add del">
+        <pc:chgData name=" " userId="9de9514f295d26bc" providerId="LiveId" clId="{B15E19FD-15E1-414B-8A3F-F5E0AA5CF060}" dt="2020-03-21T22:58:55.581" v="1063" actId="2696"/>
         <pc:sldMkLst>
           <pc:docMk/>
           <pc:sldMk cId="406152668" sldId="262"/>
@@ -281,6 +406,155 @@
             <ac:picMk id="4" creationId="{50DC1870-4B8C-4EA1-B724-C7E4DC0949C7}"/>
           </ac:picMkLst>
         </pc:picChg>
+      </pc:sldChg>
+      <pc:sldChg chg="addSp delSp modSp add">
+        <pc:chgData name=" " userId="9de9514f295d26bc" providerId="LiveId" clId="{B15E19FD-15E1-414B-8A3F-F5E0AA5CF060}" dt="2020-03-21T23:05:24.953" v="1132" actId="1076"/>
+        <pc:sldMkLst>
+          <pc:docMk/>
+          <pc:sldMk cId="3629842686" sldId="262"/>
+        </pc:sldMkLst>
+        <pc:spChg chg="del">
+          <ac:chgData name=" " userId="9de9514f295d26bc" providerId="LiveId" clId="{B15E19FD-15E1-414B-8A3F-F5E0AA5CF060}" dt="2020-03-21T23:04:24.939" v="1123" actId="478"/>
+          <ac:spMkLst>
+            <pc:docMk/>
+            <pc:sldMk cId="3629842686" sldId="262"/>
+            <ac:spMk id="2" creationId="{F760977E-18AD-46C2-B5FD-F49453FAAADC}"/>
+          </ac:spMkLst>
+        </pc:spChg>
+        <pc:spChg chg="del">
+          <ac:chgData name=" " userId="9de9514f295d26bc" providerId="LiveId" clId="{B15E19FD-15E1-414B-8A3F-F5E0AA5CF060}" dt="2020-03-21T23:04:23.613" v="1122" actId="478"/>
+          <ac:spMkLst>
+            <pc:docMk/>
+            <pc:sldMk cId="3629842686" sldId="262"/>
+            <ac:spMk id="3" creationId="{E68FE57D-A853-4EC6-A10E-F425A10D97BD}"/>
+          </ac:spMkLst>
+        </pc:spChg>
+        <pc:picChg chg="add mod">
+          <ac:chgData name=" " userId="9de9514f295d26bc" providerId="LiveId" clId="{B15E19FD-15E1-414B-8A3F-F5E0AA5CF060}" dt="2020-03-21T23:05:24.953" v="1132" actId="1076"/>
+          <ac:picMkLst>
+            <pc:docMk/>
+            <pc:sldMk cId="3629842686" sldId="262"/>
+            <ac:picMk id="4" creationId="{3E21753E-C528-45D3-856B-580C19501F8A}"/>
+          </ac:picMkLst>
+        </pc:picChg>
+      </pc:sldChg>
+      <pc:sldChg chg="addSp delSp modSp add mod setBg">
+        <pc:chgData name=" " userId="9de9514f295d26bc" providerId="LiveId" clId="{B15E19FD-15E1-414B-8A3F-F5E0AA5CF060}" dt="2020-03-21T23:07:35.002" v="1142" actId="14100"/>
+        <pc:sldMkLst>
+          <pc:docMk/>
+          <pc:sldMk cId="1085172905" sldId="263"/>
+        </pc:sldMkLst>
+        <pc:spChg chg="del">
+          <ac:chgData name=" " userId="9de9514f295d26bc" providerId="LiveId" clId="{B15E19FD-15E1-414B-8A3F-F5E0AA5CF060}" dt="2020-03-21T23:05:36.091" v="1135" actId="478"/>
+          <ac:spMkLst>
+            <pc:docMk/>
+            <pc:sldMk cId="1085172905" sldId="263"/>
+            <ac:spMk id="2" creationId="{07753571-C9CA-4D66-8A91-1688B8CA2DD1}"/>
+          </ac:spMkLst>
+        </pc:spChg>
+        <pc:spChg chg="del">
+          <ac:chgData name=" " userId="9de9514f295d26bc" providerId="LiveId" clId="{B15E19FD-15E1-414B-8A3F-F5E0AA5CF060}" dt="2020-03-21T23:05:34.395" v="1134" actId="478"/>
+          <ac:spMkLst>
+            <pc:docMk/>
+            <pc:sldMk cId="1085172905" sldId="263"/>
+            <ac:spMk id="3" creationId="{990EC6C2-5993-4615-8DC7-D890706B1EC0}"/>
+          </ac:spMkLst>
+        </pc:spChg>
+        <pc:spChg chg="add del">
+          <ac:chgData name=" " userId="9de9514f295d26bc" providerId="LiveId" clId="{B15E19FD-15E1-414B-8A3F-F5E0AA5CF060}" dt="2020-03-21T23:07:16.129" v="1138" actId="26606"/>
+          <ac:spMkLst>
+            <pc:docMk/>
+            <pc:sldMk cId="1085172905" sldId="263"/>
+            <ac:spMk id="13" creationId="{AEBE9F1A-B38D-446E-83AE-14B17CE77FF2}"/>
+          </ac:spMkLst>
+        </pc:spChg>
+        <pc:spChg chg="add del">
+          <ac:chgData name=" " userId="9de9514f295d26bc" providerId="LiveId" clId="{B15E19FD-15E1-414B-8A3F-F5E0AA5CF060}" dt="2020-03-21T23:07:16.129" v="1138" actId="26606"/>
+          <ac:spMkLst>
+            <pc:docMk/>
+            <pc:sldMk cId="1085172905" sldId="263"/>
+            <ac:spMk id="19" creationId="{5E3EB826-A471-488F-9E8A-D65528A3C0CA}"/>
+          </ac:spMkLst>
+        </pc:spChg>
+        <pc:spChg chg="add del">
+          <ac:chgData name=" " userId="9de9514f295d26bc" providerId="LiveId" clId="{B15E19FD-15E1-414B-8A3F-F5E0AA5CF060}" dt="2020-03-21T23:07:16.129" v="1138" actId="26606"/>
+          <ac:spMkLst>
+            <pc:docMk/>
+            <pc:sldMk cId="1085172905" sldId="263"/>
+            <ac:spMk id="21" creationId="{DFB3CEA1-88D9-42FB-88ED-1E9807FE6596}"/>
+          </ac:spMkLst>
+        </pc:spChg>
+        <pc:spChg chg="add del">
+          <ac:chgData name=" " userId="9de9514f295d26bc" providerId="LiveId" clId="{B15E19FD-15E1-414B-8A3F-F5E0AA5CF060}" dt="2020-03-21T23:07:16.129" v="1138" actId="26606"/>
+          <ac:spMkLst>
+            <pc:docMk/>
+            <pc:sldMk cId="1085172905" sldId="263"/>
+            <ac:spMk id="23" creationId="{9A6C928E-4252-4F33-8C34-E50A12A3170B}"/>
+          </ac:spMkLst>
+        </pc:spChg>
+        <pc:picChg chg="add mod">
+          <ac:chgData name=" " userId="9de9514f295d26bc" providerId="LiveId" clId="{B15E19FD-15E1-414B-8A3F-F5E0AA5CF060}" dt="2020-03-21T23:07:35.002" v="1142" actId="14100"/>
+          <ac:picMkLst>
+            <pc:docMk/>
+            <pc:sldMk cId="1085172905" sldId="263"/>
+            <ac:picMk id="4" creationId="{AC0A5F0D-B93A-4F1A-A3C1-1B484C3C25F5}"/>
+          </ac:picMkLst>
+        </pc:picChg>
+        <pc:picChg chg="add del">
+          <ac:chgData name=" " userId="9de9514f295d26bc" providerId="LiveId" clId="{B15E19FD-15E1-414B-8A3F-F5E0AA5CF060}" dt="2020-03-21T23:07:16.129" v="1138" actId="26606"/>
+          <ac:picMkLst>
+            <pc:docMk/>
+            <pc:sldMk cId="1085172905" sldId="263"/>
+            <ac:picMk id="9" creationId="{C9ECDD5C-152A-4CC7-8333-0F367B3A62EA}"/>
+          </ac:picMkLst>
+        </pc:picChg>
+        <pc:picChg chg="add del">
+          <ac:chgData name=" " userId="9de9514f295d26bc" providerId="LiveId" clId="{B15E19FD-15E1-414B-8A3F-F5E0AA5CF060}" dt="2020-03-21T23:07:16.129" v="1138" actId="26606"/>
+          <ac:picMkLst>
+            <pc:docMk/>
+            <pc:sldMk cId="1085172905" sldId="263"/>
+            <ac:picMk id="11" creationId="{7F5C92A3-369B-43F3-BDCE-E560B1B0EC89}"/>
+          </ac:picMkLst>
+        </pc:picChg>
+        <pc:picChg chg="add del">
+          <ac:chgData name=" " userId="9de9514f295d26bc" providerId="LiveId" clId="{B15E19FD-15E1-414B-8A3F-F5E0AA5CF060}" dt="2020-03-21T23:07:16.129" v="1138" actId="26606"/>
+          <ac:picMkLst>
+            <pc:docMk/>
+            <pc:sldMk cId="1085172905" sldId="263"/>
+            <ac:picMk id="15" creationId="{915B5014-A7EC-4BA6-9C83-8840CF81DB28}"/>
+          </ac:picMkLst>
+        </pc:picChg>
+        <pc:picChg chg="add del">
+          <ac:chgData name=" " userId="9de9514f295d26bc" providerId="LiveId" clId="{B15E19FD-15E1-414B-8A3F-F5E0AA5CF060}" dt="2020-03-21T23:07:16.129" v="1138" actId="26606"/>
+          <ac:picMkLst>
+            <pc:docMk/>
+            <pc:sldMk cId="1085172905" sldId="263"/>
+            <ac:picMk id="17" creationId="{022C43AB-86D7-420D-8AD7-DC0A15FDD0AF}"/>
+          </ac:picMkLst>
+        </pc:picChg>
+      </pc:sldChg>
+      <pc:sldChg chg="delSp add">
+        <pc:chgData name=" " userId="9de9514f295d26bc" providerId="LiveId" clId="{B15E19FD-15E1-414B-8A3F-F5E0AA5CF060}" dt="2020-03-22T00:03:45.905" v="1242" actId="478"/>
+        <pc:sldMkLst>
+          <pc:docMk/>
+          <pc:sldMk cId="2335718094" sldId="264"/>
+        </pc:sldMkLst>
+        <pc:spChg chg="del">
+          <ac:chgData name=" " userId="9de9514f295d26bc" providerId="LiveId" clId="{B15E19FD-15E1-414B-8A3F-F5E0AA5CF060}" dt="2020-03-22T00:03:45.905" v="1242" actId="478"/>
+          <ac:spMkLst>
+            <pc:docMk/>
+            <pc:sldMk cId="2335718094" sldId="264"/>
+            <ac:spMk id="2" creationId="{CB609644-C666-4E78-8D5F-51DCE1A76517}"/>
+          </ac:spMkLst>
+        </pc:spChg>
+        <pc:spChg chg="del">
+          <ac:chgData name=" " userId="9de9514f295d26bc" providerId="LiveId" clId="{B15E19FD-15E1-414B-8A3F-F5E0AA5CF060}" dt="2020-03-22T00:03:44.097" v="1241" actId="478"/>
+          <ac:spMkLst>
+            <pc:docMk/>
+            <pc:sldMk cId="2335718094" sldId="264"/>
+            <ac:spMk id="3" creationId="{CB083B3E-9E28-4655-A16B-A7BB463F44F2}"/>
+          </ac:spMkLst>
+        </pc:spChg>
       </pc:sldChg>
     </pc:docChg>
   </pc:docChgLst>
@@ -408,7 +682,7 @@
           <a:p>
             <a:fld id="{A6D5E8C7-548A-45F4-A562-474558CA88C9}" type="datetimeFigureOut">
               <a:rPr lang="en-US" smtClean="0"/>
-              <a:t>3/14/2020</a:t>
+              <a:t>3/21/2020</a:t>
             </a:fld>
             <a:endParaRPr lang="en-US"/>
           </a:p>
@@ -945,7 +1219,7 @@
           <a:p>
             <a:fld id="{ABC688DB-C5E0-4CD8-86AC-B56B37FDA488}" type="datetimeFigureOut">
               <a:rPr lang="en-US" smtClean="0"/>
-              <a:t>3/14/2020</a:t>
+              <a:t>3/21/2020</a:t>
             </a:fld>
             <a:endParaRPr lang="en-US"/>
           </a:p>
@@ -1220,7 +1494,7 @@
           <a:p>
             <a:fld id="{ABC688DB-C5E0-4CD8-86AC-B56B37FDA488}" type="datetimeFigureOut">
               <a:rPr lang="en-US" smtClean="0"/>
-              <a:t>3/14/2020</a:t>
+              <a:t>3/21/2020</a:t>
             </a:fld>
             <a:endParaRPr lang="en-US"/>
           </a:p>
@@ -1414,7 +1688,7 @@
           <a:p>
             <a:fld id="{ABC688DB-C5E0-4CD8-86AC-B56B37FDA488}" type="datetimeFigureOut">
               <a:rPr lang="en-US" smtClean="0"/>
-              <a:t>3/14/2020</a:t>
+              <a:t>3/21/2020</a:t>
             </a:fld>
             <a:endParaRPr lang="en-US"/>
           </a:p>
@@ -1687,7 +1961,7 @@
           <a:p>
             <a:fld id="{ABC688DB-C5E0-4CD8-86AC-B56B37FDA488}" type="datetimeFigureOut">
               <a:rPr lang="en-US" smtClean="0"/>
-              <a:t>3/14/2020</a:t>
+              <a:t>3/21/2020</a:t>
             </a:fld>
             <a:endParaRPr lang="en-US"/>
           </a:p>
@@ -2028,7 +2302,7 @@
           <a:p>
             <a:fld id="{ABC688DB-C5E0-4CD8-86AC-B56B37FDA488}" type="datetimeFigureOut">
               <a:rPr lang="en-US" smtClean="0"/>
-              <a:t>3/14/2020</a:t>
+              <a:t>3/21/2020</a:t>
             </a:fld>
             <a:endParaRPr lang="en-US"/>
           </a:p>
@@ -2651,7 +2925,7 @@
           <a:p>
             <a:fld id="{ABC688DB-C5E0-4CD8-86AC-B56B37FDA488}" type="datetimeFigureOut">
               <a:rPr lang="en-US" smtClean="0"/>
-              <a:t>3/14/2020</a:t>
+              <a:t>3/21/2020</a:t>
             </a:fld>
             <a:endParaRPr lang="en-US"/>
           </a:p>
@@ -3511,7 +3785,7 @@
           <a:p>
             <a:fld id="{ABC688DB-C5E0-4CD8-86AC-B56B37FDA488}" type="datetimeFigureOut">
               <a:rPr lang="en-US" smtClean="0"/>
-              <a:t>3/14/2020</a:t>
+              <a:t>3/21/2020</a:t>
             </a:fld>
             <a:endParaRPr lang="en-US"/>
           </a:p>
@@ -3681,7 +3955,7 @@
           <a:p>
             <a:fld id="{ABC688DB-C5E0-4CD8-86AC-B56B37FDA488}" type="datetimeFigureOut">
               <a:rPr lang="en-US" smtClean="0"/>
-              <a:t>3/14/2020</a:t>
+              <a:t>3/21/2020</a:t>
             </a:fld>
             <a:endParaRPr lang="en-US"/>
           </a:p>
@@ -3861,7 +4135,7 @@
           <a:p>
             <a:fld id="{ABC688DB-C5E0-4CD8-86AC-B56B37FDA488}" type="datetimeFigureOut">
               <a:rPr lang="en-US" smtClean="0"/>
-              <a:t>3/14/2020</a:t>
+              <a:t>3/21/2020</a:t>
             </a:fld>
             <a:endParaRPr lang="en-US"/>
           </a:p>
@@ -4031,7 +4305,7 @@
           <a:p>
             <a:fld id="{ABC688DB-C5E0-4CD8-86AC-B56B37FDA488}" type="datetimeFigureOut">
               <a:rPr lang="en-US" smtClean="0"/>
-              <a:t>3/14/2020</a:t>
+              <a:t>3/21/2020</a:t>
             </a:fld>
             <a:endParaRPr lang="en-US"/>
           </a:p>
@@ -4278,7 +4552,7 @@
           <a:p>
             <a:fld id="{ABC688DB-C5E0-4CD8-86AC-B56B37FDA488}" type="datetimeFigureOut">
               <a:rPr lang="en-US" smtClean="0"/>
-              <a:t>3/14/2020</a:t>
+              <a:t>3/21/2020</a:t>
             </a:fld>
             <a:endParaRPr lang="en-US"/>
           </a:p>
@@ -4570,7 +4844,7 @@
           <a:p>
             <a:fld id="{ABC688DB-C5E0-4CD8-86AC-B56B37FDA488}" type="datetimeFigureOut">
               <a:rPr lang="en-US" smtClean="0"/>
-              <a:t>3/14/2020</a:t>
+              <a:t>3/21/2020</a:t>
             </a:fld>
             <a:endParaRPr lang="en-US"/>
           </a:p>
@@ -5014,7 +5288,7 @@
           <a:p>
             <a:fld id="{ABC688DB-C5E0-4CD8-86AC-B56B37FDA488}" type="datetimeFigureOut">
               <a:rPr lang="en-US" smtClean="0"/>
-              <a:t>3/14/2020</a:t>
+              <a:t>3/21/2020</a:t>
             </a:fld>
             <a:endParaRPr lang="en-US"/>
           </a:p>
@@ -5132,7 +5406,7 @@
           <a:p>
             <a:fld id="{ABC688DB-C5E0-4CD8-86AC-B56B37FDA488}" type="datetimeFigureOut">
               <a:rPr lang="en-US" smtClean="0"/>
-              <a:t>3/14/2020</a:t>
+              <a:t>3/21/2020</a:t>
             </a:fld>
             <a:endParaRPr lang="en-US"/>
           </a:p>
@@ -5227,7 +5501,7 @@
           <a:p>
             <a:fld id="{ABC688DB-C5E0-4CD8-86AC-B56B37FDA488}" type="datetimeFigureOut">
               <a:rPr lang="en-US" smtClean="0"/>
-              <a:t>3/14/2020</a:t>
+              <a:t>3/21/2020</a:t>
             </a:fld>
             <a:endParaRPr lang="en-US"/>
           </a:p>
@@ -5506,7 +5780,7 @@
           <a:p>
             <a:fld id="{ABC688DB-C5E0-4CD8-86AC-B56B37FDA488}" type="datetimeFigureOut">
               <a:rPr lang="en-US" smtClean="0"/>
-              <a:t>3/14/2020</a:t>
+              <a:t>3/21/2020</a:t>
             </a:fld>
             <a:endParaRPr lang="en-US"/>
           </a:p>
@@ -5781,7 +6055,7 @@
           <a:p>
             <a:fld id="{ABC688DB-C5E0-4CD8-86AC-B56B37FDA488}" type="datetimeFigureOut">
               <a:rPr lang="en-US" smtClean="0"/>
-              <a:t>3/14/2020</a:t>
+              <a:t>3/21/2020</a:t>
             </a:fld>
             <a:endParaRPr lang="en-US"/>
           </a:p>
@@ -6210,7 +6484,7 @@
           <a:p>
             <a:fld id="{ABC688DB-C5E0-4CD8-86AC-B56B37FDA488}" type="datetimeFigureOut">
               <a:rPr lang="en-US" smtClean="0"/>
-              <a:t>3/14/2020</a:t>
+              <a:t>3/21/2020</a:t>
             </a:fld>
             <a:endParaRPr lang="en-US"/>
           </a:p>
@@ -6760,8 +7034,8 @@
           <a:lstStyle/>
           <a:p>
             <a:r>
-              <a:rPr lang="en-US" dirty="0"/>
-              <a:t>Project 3- Indeed</a:t>
+              <a:rPr lang="en-US" sz="4800" b="1" dirty="0"/>
+              <a:t>Project 3- Indeed Dataset on Job Posting on Data Science related Jobs</a:t>
             </a:r>
           </a:p>
         </p:txBody>
@@ -6782,12 +7056,23 @@
             <p:ph type="subTitle" idx="1"/>
           </p:nvPr>
         </p:nvSpPr>
-        <p:spPr/>
+        <p:spPr>
+          <a:xfrm>
+            <a:off x="1154955" y="4832795"/>
+            <a:ext cx="8825658" cy="1096949"/>
+          </a:xfrm>
+        </p:spPr>
         <p:txBody>
           <a:bodyPr>
-            <a:normAutofit fontScale="32500" lnSpcReduction="20000"/>
+            <a:normAutofit fontScale="40000" lnSpcReduction="20000"/>
           </a:bodyPr>
           <a:lstStyle/>
+          <a:p>
+            <a:r>
+              <a:rPr lang="en-US" b="1" u="sng" dirty="0"/>
+              <a:t>Data 607 – MSDS 2020</a:t>
+            </a:r>
+          </a:p>
           <a:p>
             <a:r>
               <a:rPr lang="en-US" dirty="0"/>
@@ -6910,53 +7195,253 @@
           <a:chExt cx="0" cy="0"/>
         </a:xfrm>
       </p:grpSpPr>
-      <p:sp>
-        <p:nvSpPr>
-          <p:cNvPr id="2" name="Title 1">
+      <p:pic>
+        <p:nvPicPr>
+          <p:cNvPr id="4" name="Picture 3">
             <a:extLst>
               <a:ext uri="{FF2B5EF4-FFF2-40B4-BE49-F238E27FC236}">
-                <a16:creationId xmlns:a16="http://schemas.microsoft.com/office/drawing/2014/main" id="{F6F434E0-5856-4478-8E1A-EF3855AB4B3E}"/>
+                <a16:creationId xmlns:a16="http://schemas.microsoft.com/office/drawing/2014/main" id="{8D75ED9E-79E6-4CAA-B52E-C73930DED9A6}"/>
               </a:ext>
             </a:extLst>
           </p:cNvPr>
-          <p:cNvSpPr>
-            <a:spLocks noGrp="1"/>
-          </p:cNvSpPr>
-          <p:nvPr>
-            <p:ph type="title"/>
-          </p:nvPr>
-        </p:nvSpPr>
-        <p:spPr/>
-        <p:txBody>
-          <a:bodyPr/>
-          <a:lstStyle/>
-          <a:p>
-            <a:endParaRPr lang="en-US"/>
-          </a:p>
-        </p:txBody>
-      </p:sp>
-      <p:sp>
-        <p:nvSpPr>
-          <p:cNvPr id="3" name="Content Placeholder 2">
+          <p:cNvPicPr>
+            <a:picLocks noChangeAspect="1"/>
+          </p:cNvPicPr>
+          <p:nvPr/>
+        </p:nvPicPr>
+        <p:blipFill>
+          <a:blip r:embed="rId2"/>
+          <a:stretch>
+            <a:fillRect/>
+          </a:stretch>
+        </p:blipFill>
+        <p:spPr>
+          <a:xfrm>
+            <a:off x="150302" y="167653"/>
+            <a:ext cx="7915275" cy="5238750"/>
+          </a:xfrm>
+          <a:prstGeom prst="rect">
+            <a:avLst/>
+          </a:prstGeom>
+        </p:spPr>
+      </p:pic>
+      <p:sp>
+        <p:nvSpPr>
+          <p:cNvPr id="5" name="Speech Bubble: Rectangle with Corners Rounded 4">
             <a:extLst>
               <a:ext uri="{FF2B5EF4-FFF2-40B4-BE49-F238E27FC236}">
-                <a16:creationId xmlns:a16="http://schemas.microsoft.com/office/drawing/2014/main" id="{05DC0EA2-E540-46B3-812D-B409B35D5245}"/>
+                <a16:creationId xmlns:a16="http://schemas.microsoft.com/office/drawing/2014/main" id="{3F1E9FD3-1ECF-434C-B64D-CD3E70686126}"/>
               </a:ext>
             </a:extLst>
           </p:cNvPr>
-          <p:cNvSpPr>
-            <a:spLocks noGrp="1"/>
-          </p:cNvSpPr>
-          <p:nvPr>
-            <p:ph idx="1"/>
-          </p:nvPr>
-        </p:nvSpPr>
-        <p:spPr/>
-        <p:txBody>
-          <a:bodyPr/>
+          <p:cNvSpPr/>
+          <p:nvPr/>
+        </p:nvSpPr>
+        <p:spPr>
+          <a:xfrm>
+            <a:off x="9245732" y="3059859"/>
+            <a:ext cx="2475345" cy="1357746"/>
+          </a:xfrm>
+          <a:prstGeom prst="wedgeRoundRectCallout">
+            <a:avLst>
+              <a:gd name="adj1" fmla="val -105748"/>
+              <a:gd name="adj2" fmla="val -104160"/>
+              <a:gd name="adj3" fmla="val 16667"/>
+            </a:avLst>
+          </a:prstGeom>
+        </p:spPr>
+        <p:style>
+          <a:lnRef idx="2">
+            <a:schemeClr val="accent4">
+              <a:shade val="50000"/>
+            </a:schemeClr>
+          </a:lnRef>
+          <a:fillRef idx="1">
+            <a:schemeClr val="accent4"/>
+          </a:fillRef>
+          <a:effectRef idx="0">
+            <a:schemeClr val="accent4"/>
+          </a:effectRef>
+          <a:fontRef idx="minor">
+            <a:schemeClr val="lt1"/>
+          </a:fontRef>
+        </p:style>
+        <p:txBody>
+          <a:bodyPr rtlCol="0" anchor="ctr"/>
           <a:lstStyle/>
           <a:p>
-            <a:endParaRPr lang="en-US"/>
+            <a:pPr algn="ctr"/>
+            <a:r>
+              <a:rPr lang="en-US" sz="1200" b="1" dirty="0"/>
+              <a:t>Patterns of different texts that would represent the particular context of ‘Analyst’, ‘Engineer’, ‘Scientist’, ‘Junior’, or ‘Senior’</a:t>
+            </a:r>
+          </a:p>
+        </p:txBody>
+      </p:sp>
+      <p:sp>
+        <p:nvSpPr>
+          <p:cNvPr id="6" name="Speech Bubble: Rectangle with Corners Rounded 5">
+            <a:extLst>
+              <a:ext uri="{FF2B5EF4-FFF2-40B4-BE49-F238E27FC236}">
+                <a16:creationId xmlns:a16="http://schemas.microsoft.com/office/drawing/2014/main" id="{46A76703-5D49-42ED-B68F-DBD512084780}"/>
+              </a:ext>
+            </a:extLst>
+          </p:cNvPr>
+          <p:cNvSpPr/>
+          <p:nvPr/>
+        </p:nvSpPr>
+        <p:spPr>
+          <a:xfrm>
+            <a:off x="9245733" y="4889017"/>
+            <a:ext cx="2475345" cy="1357746"/>
+          </a:xfrm>
+          <a:prstGeom prst="wedgeRoundRectCallout">
+            <a:avLst>
+              <a:gd name="adj1" fmla="val -102821"/>
+              <a:gd name="adj2" fmla="val -91407"/>
+              <a:gd name="adj3" fmla="val 16667"/>
+            </a:avLst>
+          </a:prstGeom>
+        </p:spPr>
+        <p:style>
+          <a:lnRef idx="2">
+            <a:schemeClr val="accent4">
+              <a:shade val="50000"/>
+            </a:schemeClr>
+          </a:lnRef>
+          <a:fillRef idx="1">
+            <a:schemeClr val="accent4"/>
+          </a:fillRef>
+          <a:effectRef idx="0">
+            <a:schemeClr val="accent4"/>
+          </a:effectRef>
+          <a:fontRef idx="minor">
+            <a:schemeClr val="lt1"/>
+          </a:fontRef>
+        </p:style>
+        <p:txBody>
+          <a:bodyPr rtlCol="0" anchor="ctr"/>
+          <a:lstStyle/>
+          <a:p>
+            <a:pPr algn="ctr"/>
+            <a:r>
+              <a:rPr lang="en-US" sz="1200" b="1" dirty="0"/>
+              <a:t>For Loop used to parse through the attribute ‘Job Title’ in the dataset against the patterns. Capturing a value of 1 when respective the pattern string is found; else set to 0.</a:t>
+            </a:r>
+          </a:p>
+        </p:txBody>
+      </p:sp>
+      <p:sp>
+        <p:nvSpPr>
+          <p:cNvPr id="7" name="Speech Bubble: Rectangle with Corners Rounded 6">
+            <a:extLst>
+              <a:ext uri="{FF2B5EF4-FFF2-40B4-BE49-F238E27FC236}">
+                <a16:creationId xmlns:a16="http://schemas.microsoft.com/office/drawing/2014/main" id="{07238736-FF05-4550-845C-FCAEFE0D5AE4}"/>
+              </a:ext>
+            </a:extLst>
+          </p:cNvPr>
+          <p:cNvSpPr/>
+          <p:nvPr/>
+        </p:nvSpPr>
+        <p:spPr>
+          <a:xfrm>
+            <a:off x="4858327" y="5500254"/>
+            <a:ext cx="2475345" cy="1190093"/>
+          </a:xfrm>
+          <a:prstGeom prst="wedgeRoundRectCallout">
+            <a:avLst>
+              <a:gd name="adj1" fmla="val -104314"/>
+              <a:gd name="adj2" fmla="val -66237"/>
+              <a:gd name="adj3" fmla="val 16667"/>
+            </a:avLst>
+          </a:prstGeom>
+        </p:spPr>
+        <p:style>
+          <a:lnRef idx="2">
+            <a:schemeClr val="accent4">
+              <a:shade val="50000"/>
+            </a:schemeClr>
+          </a:lnRef>
+          <a:fillRef idx="1">
+            <a:schemeClr val="accent4"/>
+          </a:fillRef>
+          <a:effectRef idx="0">
+            <a:schemeClr val="accent4"/>
+          </a:effectRef>
+          <a:fontRef idx="minor">
+            <a:schemeClr val="lt1"/>
+          </a:fontRef>
+        </p:style>
+        <p:txBody>
+          <a:bodyPr rtlCol="0" anchor="ctr"/>
+          <a:lstStyle/>
+          <a:p>
+            <a:pPr algn="ctr"/>
+            <a:r>
+              <a:rPr lang="en-US" sz="1200" b="1" dirty="0"/>
+              <a:t>Joining the interim data frame with the main data frame using the ‘</a:t>
+            </a:r>
+            <a:r>
+              <a:rPr lang="en-US" sz="1200" b="1" dirty="0" err="1"/>
+              <a:t>left_join</a:t>
+            </a:r>
+            <a:r>
+              <a:rPr lang="en-US" sz="1200" b="1" dirty="0"/>
+              <a:t>’ function.</a:t>
+            </a:r>
+          </a:p>
+        </p:txBody>
+      </p:sp>
+      <p:sp>
+        <p:nvSpPr>
+          <p:cNvPr id="8" name="Speech Bubble: Rectangle with Corners Rounded 7">
+            <a:extLst>
+              <a:ext uri="{FF2B5EF4-FFF2-40B4-BE49-F238E27FC236}">
+                <a16:creationId xmlns:a16="http://schemas.microsoft.com/office/drawing/2014/main" id="{A496CF61-881C-43BD-BCF8-22CDEAA36655}"/>
+              </a:ext>
+            </a:extLst>
+          </p:cNvPr>
+          <p:cNvSpPr/>
+          <p:nvPr/>
+        </p:nvSpPr>
+        <p:spPr>
+          <a:xfrm>
+            <a:off x="9245733" y="1230701"/>
+            <a:ext cx="2475345" cy="1357746"/>
+          </a:xfrm>
+          <a:prstGeom prst="wedgeRoundRectCallout">
+            <a:avLst>
+              <a:gd name="adj1" fmla="val -106121"/>
+              <a:gd name="adj2" fmla="val -78990"/>
+              <a:gd name="adj3" fmla="val 16667"/>
+            </a:avLst>
+          </a:prstGeom>
+        </p:spPr>
+        <p:style>
+          <a:lnRef idx="2">
+            <a:schemeClr val="accent4">
+              <a:shade val="50000"/>
+            </a:schemeClr>
+          </a:lnRef>
+          <a:fillRef idx="1">
+            <a:schemeClr val="accent4"/>
+          </a:fillRef>
+          <a:effectRef idx="0">
+            <a:schemeClr val="accent4"/>
+          </a:effectRef>
+          <a:fontRef idx="minor">
+            <a:schemeClr val="lt1"/>
+          </a:fontRef>
+        </p:style>
+        <p:txBody>
+          <a:bodyPr rtlCol="0" anchor="ctr"/>
+          <a:lstStyle/>
+          <a:p>
+            <a:pPr algn="ctr"/>
+            <a:r>
+              <a:rPr lang="en-US" sz="1200" b="1" dirty="0"/>
+              <a:t>Scraping the ‘Job Title’ attribute to get a the job classification as being a Analyst, Engineer or Scientist.  Also to check if the role is a Junior or senior level job.</a:t>
+            </a:r>
           </a:p>
         </p:txBody>
       </p:sp>
@@ -6990,46 +7475,10 @@
           <a:chExt cx="0" cy="0"/>
         </a:xfrm>
       </p:grpSpPr>
-      <p:sp>
-        <p:nvSpPr>
-          <p:cNvPr id="4" name="TextBox 3">
-            <a:extLst>
-              <a:ext uri="{FF2B5EF4-FFF2-40B4-BE49-F238E27FC236}">
-                <a16:creationId xmlns:a16="http://schemas.microsoft.com/office/drawing/2014/main" id="{1415E0C1-9904-483E-A995-42271DD35103}"/>
-              </a:ext>
-            </a:extLst>
-          </p:cNvPr>
-          <p:cNvSpPr txBox="1"/>
-          <p:nvPr/>
-        </p:nvSpPr>
-        <p:spPr>
-          <a:xfrm>
-            <a:off x="0" y="3075057"/>
-            <a:ext cx="12192000" cy="707886"/>
-          </a:xfrm>
-          <a:prstGeom prst="rect">
-            <a:avLst/>
-          </a:prstGeom>
-          <a:noFill/>
-        </p:spPr>
-        <p:txBody>
-          <a:bodyPr wrap="square" rtlCol="0">
-            <a:spAutoFit/>
-          </a:bodyPr>
-          <a:lstStyle/>
-          <a:p>
-            <a:pPr algn="ctr"/>
-            <a:r>
-              <a:rPr lang="en-US" sz="4000" dirty="0"/>
-              <a:t>Data Analysis</a:t>
-            </a:r>
-          </a:p>
-        </p:txBody>
-      </p:sp>
     </p:spTree>
     <p:extLst>
       <p:ext uri="{BB962C8B-B14F-4D97-AF65-F5344CB8AC3E}">
-        <p14:creationId xmlns:p14="http://schemas.microsoft.com/office/powerpoint/2010/main" val="2435490494"/>
+        <p14:creationId xmlns:p14="http://schemas.microsoft.com/office/powerpoint/2010/main" val="2335718094"/>
       </p:ext>
     </p:extLst>
   </p:cSld>
@@ -7058,58 +7507,44 @@
       </p:grpSpPr>
       <p:sp>
         <p:nvSpPr>
-          <p:cNvPr id="2" name="Title 1">
+          <p:cNvPr id="4" name="TextBox 3">
             <a:extLst>
               <a:ext uri="{FF2B5EF4-FFF2-40B4-BE49-F238E27FC236}">
-                <a16:creationId xmlns:a16="http://schemas.microsoft.com/office/drawing/2014/main" id="{F6F434E0-5856-4478-8E1A-EF3855AB4B3E}"/>
+                <a16:creationId xmlns:a16="http://schemas.microsoft.com/office/drawing/2014/main" id="{1415E0C1-9904-483E-A995-42271DD35103}"/>
               </a:ext>
             </a:extLst>
           </p:cNvPr>
-          <p:cNvSpPr>
-            <a:spLocks noGrp="1"/>
-          </p:cNvSpPr>
-          <p:nvPr>
-            <p:ph type="title"/>
-          </p:nvPr>
-        </p:nvSpPr>
-        <p:spPr/>
-        <p:txBody>
-          <a:bodyPr/>
+          <p:cNvSpPr txBox="1"/>
+          <p:nvPr/>
+        </p:nvSpPr>
+        <p:spPr>
+          <a:xfrm>
+            <a:off x="0" y="3075057"/>
+            <a:ext cx="12192000" cy="707886"/>
+          </a:xfrm>
+          <a:prstGeom prst="rect">
+            <a:avLst/>
+          </a:prstGeom>
+          <a:noFill/>
+        </p:spPr>
+        <p:txBody>
+          <a:bodyPr wrap="square" rtlCol="0">
+            <a:spAutoFit/>
+          </a:bodyPr>
           <a:lstStyle/>
           <a:p>
-            <a:endParaRPr lang="en-US"/>
-          </a:p>
-        </p:txBody>
-      </p:sp>
-      <p:sp>
-        <p:nvSpPr>
-          <p:cNvPr id="3" name="Content Placeholder 2">
-            <a:extLst>
-              <a:ext uri="{FF2B5EF4-FFF2-40B4-BE49-F238E27FC236}">
-                <a16:creationId xmlns:a16="http://schemas.microsoft.com/office/drawing/2014/main" id="{05DC0EA2-E540-46B3-812D-B409B35D5245}"/>
-              </a:ext>
-            </a:extLst>
-          </p:cNvPr>
-          <p:cNvSpPr>
-            <a:spLocks noGrp="1"/>
-          </p:cNvSpPr>
-          <p:nvPr>
-            <p:ph idx="1"/>
-          </p:nvPr>
-        </p:nvSpPr>
-        <p:spPr/>
-        <p:txBody>
-          <a:bodyPr/>
-          <a:lstStyle/>
-          <a:p>
-            <a:endParaRPr lang="en-US"/>
+            <a:pPr algn="ctr"/>
+            <a:r>
+              <a:rPr lang="en-US" sz="4000" dirty="0"/>
+              <a:t>Data Analysis</a:t>
+            </a:r>
           </a:p>
         </p:txBody>
       </p:sp>
     </p:spTree>
     <p:extLst>
       <p:ext uri="{BB962C8B-B14F-4D97-AF65-F5344CB8AC3E}">
-        <p14:creationId xmlns:p14="http://schemas.microsoft.com/office/powerpoint/2010/main" val="74770176"/>
+        <p14:creationId xmlns:p14="http://schemas.microsoft.com/office/powerpoint/2010/main" val="2435490494"/>
       </p:ext>
     </p:extLst>
   </p:cSld>
@@ -7138,10 +7573,10 @@
       </p:grpSpPr>
       <p:pic>
         <p:nvPicPr>
-          <p:cNvPr id="4" name="Picture 3" descr="A screenshot of a cell phone&#10;&#10;Description automatically generated">
+          <p:cNvPr id="4" name="Picture 3">
             <a:extLst>
               <a:ext uri="{FF2B5EF4-FFF2-40B4-BE49-F238E27FC236}">
-                <a16:creationId xmlns:a16="http://schemas.microsoft.com/office/drawing/2014/main" id="{50DC1870-4B8C-4EA1-B724-C7E4DC0949C7}"/>
+                <a16:creationId xmlns:a16="http://schemas.microsoft.com/office/drawing/2014/main" id="{F72E4928-0F17-49C3-9159-72F2A5C9CBE5}"/>
               </a:ext>
             </a:extLst>
           </p:cNvPr>
@@ -7151,21 +7586,135 @@
           <p:nvPr/>
         </p:nvPicPr>
         <p:blipFill>
-          <a:blip r:embed="rId2">
-            <a:extLst>
-              <a:ext uri="{28A0092B-C50C-407E-A947-70E740481C1C}">
-                <a14:useLocalDpi xmlns:a14="http://schemas.microsoft.com/office/drawing/2010/main" val="0"/>
-              </a:ext>
-            </a:extLst>
-          </a:blip>
+          <a:blip r:embed="rId2"/>
           <a:stretch>
             <a:fillRect/>
           </a:stretch>
         </p:blipFill>
         <p:spPr>
           <a:xfrm>
-            <a:off x="0" y="-1"/>
-            <a:ext cx="12192000" cy="6859207"/>
+            <a:off x="2442730" y="251690"/>
+            <a:ext cx="7639050" cy="2438400"/>
+          </a:xfrm>
+          <a:prstGeom prst="rect">
+            <a:avLst/>
+          </a:prstGeom>
+        </p:spPr>
+      </p:pic>
+      <p:pic>
+        <p:nvPicPr>
+          <p:cNvPr id="5" name="Picture 4">
+            <a:extLst>
+              <a:ext uri="{FF2B5EF4-FFF2-40B4-BE49-F238E27FC236}">
+                <a16:creationId xmlns:a16="http://schemas.microsoft.com/office/drawing/2014/main" id="{7F72BF95-7819-4792-9526-CABC8809A5A4}"/>
+              </a:ext>
+            </a:extLst>
+          </p:cNvPr>
+          <p:cNvPicPr>
+            <a:picLocks noChangeAspect="1"/>
+          </p:cNvPicPr>
+          <p:nvPr/>
+        </p:nvPicPr>
+        <p:blipFill>
+          <a:blip r:embed="rId3"/>
+          <a:stretch>
+            <a:fillRect/>
+          </a:stretch>
+        </p:blipFill>
+        <p:spPr>
+          <a:xfrm>
+            <a:off x="85860" y="6154305"/>
+            <a:ext cx="5982432" cy="590550"/>
+          </a:xfrm>
+          <a:prstGeom prst="rect">
+            <a:avLst/>
+          </a:prstGeom>
+        </p:spPr>
+      </p:pic>
+      <p:pic>
+        <p:nvPicPr>
+          <p:cNvPr id="6" name="Picture 5">
+            <a:extLst>
+              <a:ext uri="{FF2B5EF4-FFF2-40B4-BE49-F238E27FC236}">
+                <a16:creationId xmlns:a16="http://schemas.microsoft.com/office/drawing/2014/main" id="{9FCB9A72-C161-4973-9DBE-8933D14A0508}"/>
+              </a:ext>
+            </a:extLst>
+          </p:cNvPr>
+          <p:cNvPicPr>
+            <a:picLocks noChangeAspect="1"/>
+          </p:cNvPicPr>
+          <p:nvPr/>
+        </p:nvPicPr>
+        <p:blipFill>
+          <a:blip r:embed="rId4"/>
+          <a:stretch>
+            <a:fillRect/>
+          </a:stretch>
+        </p:blipFill>
+        <p:spPr>
+          <a:xfrm>
+            <a:off x="6151416" y="6149828"/>
+            <a:ext cx="5982432" cy="600075"/>
+          </a:xfrm>
+          <a:prstGeom prst="rect">
+            <a:avLst/>
+          </a:prstGeom>
+        </p:spPr>
+      </p:pic>
+      <p:pic>
+        <p:nvPicPr>
+          <p:cNvPr id="7" name="Picture 6">
+            <a:extLst>
+              <a:ext uri="{FF2B5EF4-FFF2-40B4-BE49-F238E27FC236}">
+                <a16:creationId xmlns:a16="http://schemas.microsoft.com/office/drawing/2014/main" id="{2E3EB8AB-75A7-4CF3-BFD7-023E795A5929}"/>
+              </a:ext>
+            </a:extLst>
+          </p:cNvPr>
+          <p:cNvPicPr>
+            <a:picLocks noChangeAspect="1"/>
+          </p:cNvPicPr>
+          <p:nvPr/>
+        </p:nvPicPr>
+        <p:blipFill>
+          <a:blip r:embed="rId5"/>
+          <a:stretch>
+            <a:fillRect/>
+          </a:stretch>
+        </p:blipFill>
+        <p:spPr>
+          <a:xfrm>
+            <a:off x="586509" y="3084165"/>
+            <a:ext cx="4724400" cy="2694682"/>
+          </a:xfrm>
+          <a:prstGeom prst="rect">
+            <a:avLst/>
+          </a:prstGeom>
+        </p:spPr>
+      </p:pic>
+      <p:pic>
+        <p:nvPicPr>
+          <p:cNvPr id="8" name="Picture 7">
+            <a:extLst>
+              <a:ext uri="{FF2B5EF4-FFF2-40B4-BE49-F238E27FC236}">
+                <a16:creationId xmlns:a16="http://schemas.microsoft.com/office/drawing/2014/main" id="{0EE4EA88-24E3-485B-B3BE-742FB0989D18}"/>
+              </a:ext>
+            </a:extLst>
+          </p:cNvPr>
+          <p:cNvPicPr>
+            <a:picLocks noChangeAspect="1"/>
+          </p:cNvPicPr>
+          <p:nvPr/>
+        </p:nvPicPr>
+        <p:blipFill>
+          <a:blip r:embed="rId6"/>
+          <a:stretch>
+            <a:fillRect/>
+          </a:stretch>
+        </p:blipFill>
+        <p:spPr>
+          <a:xfrm>
+            <a:off x="6541655" y="3084165"/>
+            <a:ext cx="4724400" cy="2694682"/>
           </a:xfrm>
           <a:prstGeom prst="rect">
             <a:avLst/>
@@ -7175,7 +7724,127 @@
     </p:spTree>
     <p:extLst>
       <p:ext uri="{BB962C8B-B14F-4D97-AF65-F5344CB8AC3E}">
-        <p14:creationId xmlns:p14="http://schemas.microsoft.com/office/powerpoint/2010/main" val="406152668"/>
+        <p14:creationId xmlns:p14="http://schemas.microsoft.com/office/powerpoint/2010/main" val="74770176"/>
+      </p:ext>
+    </p:extLst>
+  </p:cSld>
+  <p:clrMapOvr>
+    <a:masterClrMapping/>
+  </p:clrMapOvr>
+</p:sld>
+</file>
+
+<file path=ppt/slides/slide7.xml><?xml version="1.0" encoding="utf-8"?>
+<p:sld xmlns:a="http://schemas.openxmlformats.org/drawingml/2006/main" xmlns:r="http://schemas.openxmlformats.org/officeDocument/2006/relationships" xmlns:p="http://schemas.openxmlformats.org/presentationml/2006/main">
+  <p:cSld>
+    <p:spTree>
+      <p:nvGrpSpPr>
+        <p:cNvPr id="1" name=""/>
+        <p:cNvGrpSpPr/>
+        <p:nvPr/>
+      </p:nvGrpSpPr>
+      <p:grpSpPr>
+        <a:xfrm>
+          <a:off x="0" y="0"/>
+          <a:ext cx="0" cy="0"/>
+          <a:chOff x="0" y="0"/>
+          <a:chExt cx="0" cy="0"/>
+        </a:xfrm>
+      </p:grpSpPr>
+      <p:pic>
+        <p:nvPicPr>
+          <p:cNvPr id="4" name="Picture 3">
+            <a:extLst>
+              <a:ext uri="{FF2B5EF4-FFF2-40B4-BE49-F238E27FC236}">
+                <a16:creationId xmlns:a16="http://schemas.microsoft.com/office/drawing/2014/main" id="{3E21753E-C528-45D3-856B-580C19501F8A}"/>
+              </a:ext>
+            </a:extLst>
+          </p:cNvPr>
+          <p:cNvPicPr>
+            <a:picLocks noChangeAspect="1"/>
+          </p:cNvPicPr>
+          <p:nvPr/>
+        </p:nvPicPr>
+        <p:blipFill>
+          <a:blip r:embed="rId2"/>
+          <a:stretch>
+            <a:fillRect/>
+          </a:stretch>
+        </p:blipFill>
+        <p:spPr>
+          <a:xfrm>
+            <a:off x="787108" y="731404"/>
+            <a:ext cx="8874127" cy="5597860"/>
+          </a:xfrm>
+          <a:prstGeom prst="rect">
+            <a:avLst/>
+          </a:prstGeom>
+        </p:spPr>
+      </p:pic>
+    </p:spTree>
+    <p:extLst>
+      <p:ext uri="{BB962C8B-B14F-4D97-AF65-F5344CB8AC3E}">
+        <p14:creationId xmlns:p14="http://schemas.microsoft.com/office/powerpoint/2010/main" val="3629842686"/>
+      </p:ext>
+    </p:extLst>
+  </p:cSld>
+  <p:clrMapOvr>
+    <a:masterClrMapping/>
+  </p:clrMapOvr>
+</p:sld>
+</file>
+
+<file path=ppt/slides/slide8.xml><?xml version="1.0" encoding="utf-8"?>
+<p:sld xmlns:a="http://schemas.openxmlformats.org/drawingml/2006/main" xmlns:r="http://schemas.openxmlformats.org/officeDocument/2006/relationships" xmlns:p="http://schemas.openxmlformats.org/presentationml/2006/main">
+  <p:cSld>
+    <p:spTree>
+      <p:nvGrpSpPr>
+        <p:cNvPr id="1" name=""/>
+        <p:cNvGrpSpPr/>
+        <p:nvPr/>
+      </p:nvGrpSpPr>
+      <p:grpSpPr>
+        <a:xfrm>
+          <a:off x="0" y="0"/>
+          <a:ext cx="0" cy="0"/>
+          <a:chOff x="0" y="0"/>
+          <a:chExt cx="0" cy="0"/>
+        </a:xfrm>
+      </p:grpSpPr>
+      <p:pic>
+        <p:nvPicPr>
+          <p:cNvPr id="4" name="Picture 3">
+            <a:extLst>
+              <a:ext uri="{FF2B5EF4-FFF2-40B4-BE49-F238E27FC236}">
+                <a16:creationId xmlns:a16="http://schemas.microsoft.com/office/drawing/2014/main" id="{AC0A5F0D-B93A-4F1A-A3C1-1B484C3C25F5}"/>
+              </a:ext>
+            </a:extLst>
+          </p:cNvPr>
+          <p:cNvPicPr>
+            <a:picLocks noChangeAspect="1"/>
+          </p:cNvPicPr>
+          <p:nvPr/>
+        </p:nvPicPr>
+        <p:blipFill>
+          <a:blip r:embed="rId2"/>
+          <a:stretch>
+            <a:fillRect/>
+          </a:stretch>
+        </p:blipFill>
+        <p:spPr>
+          <a:xfrm>
+            <a:off x="858981" y="540923"/>
+            <a:ext cx="8756074" cy="5776153"/>
+          </a:xfrm>
+          <a:prstGeom prst="rect">
+            <a:avLst/>
+          </a:prstGeom>
+        </p:spPr>
+      </p:pic>
+    </p:spTree>
+    <p:extLst>
+      <p:ext uri="{BB962C8B-B14F-4D97-AF65-F5344CB8AC3E}">
+        <p14:creationId xmlns:p14="http://schemas.microsoft.com/office/powerpoint/2010/main" val="1085172905"/>
       </p:ext>
     </p:extLst>
   </p:cSld>

--- a/Data607-Project3-Presentation.pptx
+++ b/Data607-Project3-Presentation.pptx
@@ -137,7 +137,7 @@
 <file path=ppt/revisionInfo.xml><?xml version="1.0" encoding="utf-8"?>
 <p1510:revInfo xmlns:a="http://schemas.openxmlformats.org/drawingml/2006/main" xmlns:r="http://schemas.openxmlformats.org/officeDocument/2006/relationships" xmlns:p1510="http://schemas.microsoft.com/office/powerpoint/2015/10/main">
   <p1510:revLst>
-    <p1510:client id="{B15E19FD-15E1-414B-8A3F-F5E0AA5CF060}" v="33" dt="2020-03-22T00:03:41.322"/>
+    <p1510:client id="{B15E19FD-15E1-414B-8A3F-F5E0AA5CF060}" v="38" dt="2020-03-22T14:15:37.462"/>
   </p1510:revLst>
 </p1510:revInfo>
 </file>
@@ -146,8 +146,8 @@
 <pc:chgInfo xmlns:a="http://schemas.openxmlformats.org/drawingml/2006/main" xmlns:r="http://schemas.openxmlformats.org/officeDocument/2006/relationships" xmlns:ac="http://schemas.microsoft.com/office/drawing/2013/main/command" xmlns:pc="http://schemas.microsoft.com/office/powerpoint/2013/main/command">
   <pc:docChgLst>
     <pc:chgData name=" " userId="9de9514f295d26bc" providerId="LiveId" clId="{B15E19FD-15E1-414B-8A3F-F5E0AA5CF060}"/>
-    <pc:docChg chg="undo custSel mod addSld delSld modSld">
-      <pc:chgData name=" " userId="9de9514f295d26bc" providerId="LiveId" clId="{B15E19FD-15E1-414B-8A3F-F5E0AA5CF060}" dt="2020-03-22T00:03:45.905" v="1242" actId="478"/>
+    <pc:docChg chg="undo custSel mod addSld delSld modSld sldOrd">
+      <pc:chgData name=" " userId="9de9514f295d26bc" providerId="LiveId" clId="{B15E19FD-15E1-414B-8A3F-F5E0AA5CF060}" dt="2020-03-22T14:15:37.462" v="1283"/>
       <pc:docMkLst>
         <pc:docMk/>
       </pc:docMkLst>
@@ -533,8 +533,8 @@
           </ac:picMkLst>
         </pc:picChg>
       </pc:sldChg>
-      <pc:sldChg chg="delSp add">
-        <pc:chgData name=" " userId="9de9514f295d26bc" providerId="LiveId" clId="{B15E19FD-15E1-414B-8A3F-F5E0AA5CF060}" dt="2020-03-22T00:03:45.905" v="1242" actId="478"/>
+      <pc:sldChg chg="addSp delSp modSp add ord">
+        <pc:chgData name=" " userId="9de9514f295d26bc" providerId="LiveId" clId="{B15E19FD-15E1-414B-8A3F-F5E0AA5CF060}" dt="2020-03-22T14:15:37.462" v="1283"/>
         <pc:sldMkLst>
           <pc:docMk/>
           <pc:sldMk cId="2335718094" sldId="264"/>
@@ -555,6 +555,30 @@
             <ac:spMk id="3" creationId="{CB083B3E-9E28-4655-A16B-A7BB463F44F2}"/>
           </ac:spMkLst>
         </pc:spChg>
+        <pc:picChg chg="add mod">
+          <ac:chgData name=" " userId="9de9514f295d26bc" providerId="LiveId" clId="{B15E19FD-15E1-414B-8A3F-F5E0AA5CF060}" dt="2020-03-22T14:11:09.612" v="1246" actId="14100"/>
+          <ac:picMkLst>
+            <pc:docMk/>
+            <pc:sldMk cId="2335718094" sldId="264"/>
+            <ac:picMk id="2" creationId="{CE8E5971-6773-4D5A-9C55-8C010EB992EA}"/>
+          </ac:picMkLst>
+        </pc:picChg>
+        <pc:picChg chg="add mod">
+          <ac:chgData name=" " userId="9de9514f295d26bc" providerId="LiveId" clId="{B15E19FD-15E1-414B-8A3F-F5E0AA5CF060}" dt="2020-03-22T14:13:37.291" v="1273" actId="1035"/>
+          <ac:picMkLst>
+            <pc:docMk/>
+            <pc:sldMk cId="2335718094" sldId="264"/>
+            <ac:picMk id="3" creationId="{C503A36C-1CD1-483F-8988-2A4E83BFA1C1}"/>
+          </ac:picMkLst>
+        </pc:picChg>
+        <pc:picChg chg="add mod">
+          <ac:chgData name=" " userId="9de9514f295d26bc" providerId="LiveId" clId="{B15E19FD-15E1-414B-8A3F-F5E0AA5CF060}" dt="2020-03-22T14:15:01.728" v="1281" actId="14100"/>
+          <ac:picMkLst>
+            <pc:docMk/>
+            <pc:sldMk cId="2335718094" sldId="264"/>
+            <ac:picMk id="4" creationId="{7630DC1A-9CAA-4DC3-9EC2-FDC4F0469B0E}"/>
+          </ac:picMkLst>
+        </pc:picChg>
       </pc:sldChg>
     </pc:docChg>
   </pc:docChgLst>
@@ -682,7 +706,7 @@
           <a:p>
             <a:fld id="{A6D5E8C7-548A-45F4-A562-474558CA88C9}" type="datetimeFigureOut">
               <a:rPr lang="en-US" smtClean="0"/>
-              <a:t>3/21/2020</a:t>
+              <a:t>3/22/2020</a:t>
             </a:fld>
             <a:endParaRPr lang="en-US"/>
           </a:p>
@@ -1219,7 +1243,7 @@
           <a:p>
             <a:fld id="{ABC688DB-C5E0-4CD8-86AC-B56B37FDA488}" type="datetimeFigureOut">
               <a:rPr lang="en-US" smtClean="0"/>
-              <a:t>3/21/2020</a:t>
+              <a:t>3/22/2020</a:t>
             </a:fld>
             <a:endParaRPr lang="en-US"/>
           </a:p>
@@ -1494,7 +1518,7 @@
           <a:p>
             <a:fld id="{ABC688DB-C5E0-4CD8-86AC-B56B37FDA488}" type="datetimeFigureOut">
               <a:rPr lang="en-US" smtClean="0"/>
-              <a:t>3/21/2020</a:t>
+              <a:t>3/22/2020</a:t>
             </a:fld>
             <a:endParaRPr lang="en-US"/>
           </a:p>
@@ -1688,7 +1712,7 @@
           <a:p>
             <a:fld id="{ABC688DB-C5E0-4CD8-86AC-B56B37FDA488}" type="datetimeFigureOut">
               <a:rPr lang="en-US" smtClean="0"/>
-              <a:t>3/21/2020</a:t>
+              <a:t>3/22/2020</a:t>
             </a:fld>
             <a:endParaRPr lang="en-US"/>
           </a:p>
@@ -1961,7 +1985,7 @@
           <a:p>
             <a:fld id="{ABC688DB-C5E0-4CD8-86AC-B56B37FDA488}" type="datetimeFigureOut">
               <a:rPr lang="en-US" smtClean="0"/>
-              <a:t>3/21/2020</a:t>
+              <a:t>3/22/2020</a:t>
             </a:fld>
             <a:endParaRPr lang="en-US"/>
           </a:p>
@@ -2302,7 +2326,7 @@
           <a:p>
             <a:fld id="{ABC688DB-C5E0-4CD8-86AC-B56B37FDA488}" type="datetimeFigureOut">
               <a:rPr lang="en-US" smtClean="0"/>
-              <a:t>3/21/2020</a:t>
+              <a:t>3/22/2020</a:t>
             </a:fld>
             <a:endParaRPr lang="en-US"/>
           </a:p>
@@ -2925,7 +2949,7 @@
           <a:p>
             <a:fld id="{ABC688DB-C5E0-4CD8-86AC-B56B37FDA488}" type="datetimeFigureOut">
               <a:rPr lang="en-US" smtClean="0"/>
-              <a:t>3/21/2020</a:t>
+              <a:t>3/22/2020</a:t>
             </a:fld>
             <a:endParaRPr lang="en-US"/>
           </a:p>
@@ -3785,7 +3809,7 @@
           <a:p>
             <a:fld id="{ABC688DB-C5E0-4CD8-86AC-B56B37FDA488}" type="datetimeFigureOut">
               <a:rPr lang="en-US" smtClean="0"/>
-              <a:t>3/21/2020</a:t>
+              <a:t>3/22/2020</a:t>
             </a:fld>
             <a:endParaRPr lang="en-US"/>
           </a:p>
@@ -3955,7 +3979,7 @@
           <a:p>
             <a:fld id="{ABC688DB-C5E0-4CD8-86AC-B56B37FDA488}" type="datetimeFigureOut">
               <a:rPr lang="en-US" smtClean="0"/>
-              <a:t>3/21/2020</a:t>
+              <a:t>3/22/2020</a:t>
             </a:fld>
             <a:endParaRPr lang="en-US"/>
           </a:p>
@@ -4135,7 +4159,7 @@
           <a:p>
             <a:fld id="{ABC688DB-C5E0-4CD8-86AC-B56B37FDA488}" type="datetimeFigureOut">
               <a:rPr lang="en-US" smtClean="0"/>
-              <a:t>3/21/2020</a:t>
+              <a:t>3/22/2020</a:t>
             </a:fld>
             <a:endParaRPr lang="en-US"/>
           </a:p>
@@ -4305,7 +4329,7 @@
           <a:p>
             <a:fld id="{ABC688DB-C5E0-4CD8-86AC-B56B37FDA488}" type="datetimeFigureOut">
               <a:rPr lang="en-US" smtClean="0"/>
-              <a:t>3/21/2020</a:t>
+              <a:t>3/22/2020</a:t>
             </a:fld>
             <a:endParaRPr lang="en-US"/>
           </a:p>
@@ -4552,7 +4576,7 @@
           <a:p>
             <a:fld id="{ABC688DB-C5E0-4CD8-86AC-B56B37FDA488}" type="datetimeFigureOut">
               <a:rPr lang="en-US" smtClean="0"/>
-              <a:t>3/21/2020</a:t>
+              <a:t>3/22/2020</a:t>
             </a:fld>
             <a:endParaRPr lang="en-US"/>
           </a:p>
@@ -4844,7 +4868,7 @@
           <a:p>
             <a:fld id="{ABC688DB-C5E0-4CD8-86AC-B56B37FDA488}" type="datetimeFigureOut">
               <a:rPr lang="en-US" smtClean="0"/>
-              <a:t>3/21/2020</a:t>
+              <a:t>3/22/2020</a:t>
             </a:fld>
             <a:endParaRPr lang="en-US"/>
           </a:p>
@@ -5288,7 +5312,7 @@
           <a:p>
             <a:fld id="{ABC688DB-C5E0-4CD8-86AC-B56B37FDA488}" type="datetimeFigureOut">
               <a:rPr lang="en-US" smtClean="0"/>
-              <a:t>3/21/2020</a:t>
+              <a:t>3/22/2020</a:t>
             </a:fld>
             <a:endParaRPr lang="en-US"/>
           </a:p>
@@ -5406,7 +5430,7 @@
           <a:p>
             <a:fld id="{ABC688DB-C5E0-4CD8-86AC-B56B37FDA488}" type="datetimeFigureOut">
               <a:rPr lang="en-US" smtClean="0"/>
-              <a:t>3/21/2020</a:t>
+              <a:t>3/22/2020</a:t>
             </a:fld>
             <a:endParaRPr lang="en-US"/>
           </a:p>
@@ -5501,7 +5525,7 @@
           <a:p>
             <a:fld id="{ABC688DB-C5E0-4CD8-86AC-B56B37FDA488}" type="datetimeFigureOut">
               <a:rPr lang="en-US" smtClean="0"/>
-              <a:t>3/21/2020</a:t>
+              <a:t>3/22/2020</a:t>
             </a:fld>
             <a:endParaRPr lang="en-US"/>
           </a:p>
@@ -5780,7 +5804,7 @@
           <a:p>
             <a:fld id="{ABC688DB-C5E0-4CD8-86AC-B56B37FDA488}" type="datetimeFigureOut">
               <a:rPr lang="en-US" smtClean="0"/>
-              <a:t>3/21/2020</a:t>
+              <a:t>3/22/2020</a:t>
             </a:fld>
             <a:endParaRPr lang="en-US"/>
           </a:p>
@@ -6055,7 +6079,7 @@
           <a:p>
             <a:fld id="{ABC688DB-C5E0-4CD8-86AC-B56B37FDA488}" type="datetimeFigureOut">
               <a:rPr lang="en-US" smtClean="0"/>
-              <a:t>3/21/2020</a:t>
+              <a:t>3/22/2020</a:t>
             </a:fld>
             <a:endParaRPr lang="en-US"/>
           </a:p>
@@ -6484,7 +6508,7 @@
           <a:p>
             <a:fld id="{ABC688DB-C5E0-4CD8-86AC-B56B37FDA488}" type="datetimeFigureOut">
               <a:rPr lang="en-US" smtClean="0"/>
-              <a:t>3/21/2020</a:t>
+              <a:t>3/22/2020</a:t>
             </a:fld>
             <a:endParaRPr lang="en-US"/>
           </a:p>
@@ -7475,6 +7499,96 @@
           <a:chExt cx="0" cy="0"/>
         </a:xfrm>
       </p:grpSpPr>
+      <p:pic>
+        <p:nvPicPr>
+          <p:cNvPr id="2" name="Picture 1">
+            <a:extLst>
+              <a:ext uri="{FF2B5EF4-FFF2-40B4-BE49-F238E27FC236}">
+                <a16:creationId xmlns:a16="http://schemas.microsoft.com/office/drawing/2014/main" id="{CE8E5971-6773-4D5A-9C55-8C010EB992EA}"/>
+              </a:ext>
+            </a:extLst>
+          </p:cNvPr>
+          <p:cNvPicPr>
+            <a:picLocks noChangeAspect="1"/>
+          </p:cNvPicPr>
+          <p:nvPr/>
+        </p:nvPicPr>
+        <p:blipFill>
+          <a:blip r:embed="rId2"/>
+          <a:stretch>
+            <a:fillRect/>
+          </a:stretch>
+        </p:blipFill>
+        <p:spPr>
+          <a:xfrm>
+            <a:off x="2162030" y="172605"/>
+            <a:ext cx="7572375" cy="3346450"/>
+          </a:xfrm>
+          <a:prstGeom prst="rect">
+            <a:avLst/>
+          </a:prstGeom>
+        </p:spPr>
+      </p:pic>
+      <p:pic>
+        <p:nvPicPr>
+          <p:cNvPr id="3" name="Picture 2">
+            <a:extLst>
+              <a:ext uri="{FF2B5EF4-FFF2-40B4-BE49-F238E27FC236}">
+                <a16:creationId xmlns:a16="http://schemas.microsoft.com/office/drawing/2014/main" id="{C503A36C-1CD1-483F-8988-2A4E83BFA1C1}"/>
+              </a:ext>
+            </a:extLst>
+          </p:cNvPr>
+          <p:cNvPicPr>
+            <a:picLocks noChangeAspect="1"/>
+          </p:cNvPicPr>
+          <p:nvPr/>
+        </p:nvPicPr>
+        <p:blipFill>
+          <a:blip r:embed="rId3"/>
+          <a:stretch>
+            <a:fillRect/>
+          </a:stretch>
+        </p:blipFill>
+        <p:spPr>
+          <a:xfrm>
+            <a:off x="102636" y="3736909"/>
+            <a:ext cx="5604588" cy="3058306"/>
+          </a:xfrm>
+          <a:prstGeom prst="rect">
+            <a:avLst/>
+          </a:prstGeom>
+        </p:spPr>
+      </p:pic>
+      <p:pic>
+        <p:nvPicPr>
+          <p:cNvPr id="4" name="Picture 3">
+            <a:extLst>
+              <a:ext uri="{FF2B5EF4-FFF2-40B4-BE49-F238E27FC236}">
+                <a16:creationId xmlns:a16="http://schemas.microsoft.com/office/drawing/2014/main" id="{7630DC1A-9CAA-4DC3-9EC2-FDC4F0469B0E}"/>
+              </a:ext>
+            </a:extLst>
+          </p:cNvPr>
+          <p:cNvPicPr>
+            <a:picLocks noChangeAspect="1"/>
+          </p:cNvPicPr>
+          <p:nvPr/>
+        </p:nvPicPr>
+        <p:blipFill>
+          <a:blip r:embed="rId4"/>
+          <a:stretch>
+            <a:fillRect/>
+          </a:stretch>
+        </p:blipFill>
+        <p:spPr>
+          <a:xfrm>
+            <a:off x="6375918" y="3736908"/>
+            <a:ext cx="5604588" cy="3058305"/>
+          </a:xfrm>
+          <a:prstGeom prst="rect">
+            <a:avLst/>
+          </a:prstGeom>
+        </p:spPr>
+      </p:pic>
     </p:spTree>
     <p:extLst>
       <p:ext uri="{BB962C8B-B14F-4D97-AF65-F5344CB8AC3E}">
